--- a/PPTX/Linearer_Json_Builder2.0.pptx
+++ b/PPTX/Linearer_Json_Builder2.0.pptx
@@ -6,10 +6,10 @@
     <p:sldMasterId id="2147483728" r:id="rId5"/>
   </p:sldMasterIdLst>
   <p:notesMasterIdLst>
-    <p:notesMasterId r:id="rId29"/>
+    <p:notesMasterId r:id="rId32"/>
   </p:notesMasterIdLst>
   <p:handoutMasterIdLst>
-    <p:handoutMasterId r:id="rId30"/>
+    <p:handoutMasterId r:id="rId33"/>
   </p:handoutMasterIdLst>
   <p:sldIdLst>
     <p:sldId id="1027" r:id="rId6"/>
@@ -28,28 +28,31 @@
     <p:sldId id="1076" r:id="rId19"/>
     <p:sldId id="1074" r:id="rId20"/>
     <p:sldId id="1086" r:id="rId21"/>
-    <p:sldId id="1078" r:id="rId22"/>
-    <p:sldId id="1087" r:id="rId23"/>
-    <p:sldId id="1088" r:id="rId24"/>
-    <p:sldId id="1089" r:id="rId25"/>
-    <p:sldId id="1079" r:id="rId26"/>
-    <p:sldId id="1065" r:id="rId27"/>
-    <p:sldId id="1082" r:id="rId28"/>
+    <p:sldId id="1091" r:id="rId22"/>
+    <p:sldId id="1090" r:id="rId23"/>
+    <p:sldId id="1078" r:id="rId24"/>
+    <p:sldId id="1087" r:id="rId25"/>
+    <p:sldId id="1088" r:id="rId26"/>
+    <p:sldId id="1089" r:id="rId27"/>
+    <p:sldId id="1092" r:id="rId28"/>
+    <p:sldId id="1079" r:id="rId29"/>
+    <p:sldId id="1065" r:id="rId30"/>
+    <p:sldId id="1082" r:id="rId31"/>
   </p:sldIdLst>
   <p:sldSz cx="9144000" cy="5143500" type="screen16x9"/>
   <p:notesSz cx="6858000" cy="9144000"/>
   <p:embeddedFontLst>
     <p:embeddedFont>
       <p:font typeface="GT America Light" pitchFamily="2" charset="77"/>
-      <p:regular r:id="rId31"/>
+      <p:regular r:id="rId34"/>
     </p:embeddedFont>
     <p:embeddedFont>
       <p:font typeface="GT Super Display" pitchFamily="2" charset="77"/>
-      <p:regular r:id="rId32"/>
+      <p:regular r:id="rId35"/>
     </p:embeddedFont>
     <p:embeddedFont>
       <p:font typeface="GT Super Display Medium" pitchFamily="2" charset="77"/>
-      <p:regular r:id="rId33"/>
+      <p:regular r:id="rId36"/>
     </p:embeddedFont>
   </p:embeddedFontLst>
   <p:defaultTextStyle>
@@ -9649,10 +9652,10 @@
       </p:grpSpPr>
       <p:pic>
         <p:nvPicPr>
-          <p:cNvPr id="17" name="Grafik 16">
-            <a:extLst>
-              <a:ext uri="{FF2B5EF4-FFF2-40B4-BE49-F238E27FC236}">
-                <a16:creationId xmlns:a16="http://schemas.microsoft.com/office/drawing/2014/main" id="{2B279861-996C-9491-803A-C4748D9866BE}"/>
+          <p:cNvPr id="21" name="Grafik 20" descr="Ein Bild, das Tisch enthält.&#10;&#10;Automatisch generierte Beschreibung">
+            <a:extLst>
+              <a:ext uri="{FF2B5EF4-FFF2-40B4-BE49-F238E27FC236}">
+                <a16:creationId xmlns:a16="http://schemas.microsoft.com/office/drawing/2014/main" id="{04504F4A-D9E8-4937-7DC9-9A707483C0DC}"/>
               </a:ext>
             </a:extLst>
           </p:cNvPr>
@@ -9661,15 +9664,16 @@
           </p:cNvPicPr>
           <p:nvPr/>
         </p:nvPicPr>
-        <p:blipFill rotWithShape="1">
+        <p:blipFill>
           <a:blip r:embed="rId2"/>
-          <a:srcRect l="69385" r="-836"/>
-          <a:stretch/>
+          <a:stretch>
+            <a:fillRect/>
+          </a:stretch>
         </p:blipFill>
         <p:spPr>
           <a:xfrm>
-            <a:off x="4931794" y="1620184"/>
-            <a:ext cx="2734235" cy="2201116"/>
+            <a:off x="2797840" y="1481664"/>
+            <a:ext cx="2849259" cy="2272343"/>
           </a:xfrm>
           <a:prstGeom prst="rect">
             <a:avLst/>
@@ -9754,40 +9758,11 @@
           <a:p>
             <a:r>
               <a:rPr lang="de-DE" dirty="0"/>
-              <a:t>Die Neuerungen – REFERENCE &amp; SCALA</a:t>
-            </a:r>
-          </a:p>
-        </p:txBody>
-      </p:sp>
-      <p:pic>
-        <p:nvPicPr>
-          <p:cNvPr id="10" name="Grafik 9">
-            <a:extLst>
-              <a:ext uri="{FF2B5EF4-FFF2-40B4-BE49-F238E27FC236}">
-                <a16:creationId xmlns:a16="http://schemas.microsoft.com/office/drawing/2014/main" id="{A10215F9-9C75-B6AC-AFD9-90FBF7F38E3F}"/>
-              </a:ext>
-            </a:extLst>
-          </p:cNvPr>
-          <p:cNvPicPr>
-            <a:picLocks noChangeAspect="1"/>
-          </p:cNvPicPr>
-          <p:nvPr/>
-        </p:nvPicPr>
-        <p:blipFill rotWithShape="1">
-          <a:blip r:embed="rId2"/>
-          <a:srcRect r="67529"/>
-          <a:stretch/>
-        </p:blipFill>
-        <p:spPr>
-          <a:xfrm>
-            <a:off x="1560811" y="1620184"/>
-            <a:ext cx="2822929" cy="2201116"/>
-          </a:xfrm>
-          <a:prstGeom prst="rect">
-            <a:avLst/>
-          </a:prstGeom>
-        </p:spPr>
-      </p:pic>
+              <a:t>Die Neuerungen – REFERENCE</a:t>
+            </a:r>
+          </a:p>
+        </p:txBody>
+      </p:sp>
       <p:sp>
         <p:nvSpPr>
           <p:cNvPr id="14" name="Rechteck 13">
@@ -9802,7 +9777,7 @@
         </p:nvSpPr>
         <p:spPr>
           <a:xfrm>
-            <a:off x="1560811" y="2508610"/>
+            <a:off x="2822598" y="2412378"/>
             <a:ext cx="2822929" cy="393525"/>
           </a:xfrm>
           <a:prstGeom prst="rect">
@@ -9835,6 +9810,36 @@
           </a:p>
         </p:txBody>
       </p:sp>
+      <p:pic>
+        <p:nvPicPr>
+          <p:cNvPr id="19" name="Grafik 18" descr="Ein Bild, das Tisch enthält.&#10;&#10;Automatisch generierte Beschreibung">
+            <a:extLst>
+              <a:ext uri="{FF2B5EF4-FFF2-40B4-BE49-F238E27FC236}">
+                <a16:creationId xmlns:a16="http://schemas.microsoft.com/office/drawing/2014/main" id="{9661415B-0063-E3DE-D60C-AB0594B3C433}"/>
+              </a:ext>
+            </a:extLst>
+          </p:cNvPr>
+          <p:cNvPicPr>
+            <a:picLocks noChangeAspect="1"/>
+          </p:cNvPicPr>
+          <p:nvPr/>
+        </p:nvPicPr>
+        <p:blipFill>
+          <a:blip r:embed="rId3"/>
+          <a:stretch>
+            <a:fillRect/>
+          </a:stretch>
+        </p:blipFill>
+        <p:spPr>
+          <a:xfrm>
+            <a:off x="5948412" y="1085215"/>
+            <a:ext cx="2848871" cy="3065241"/>
+          </a:xfrm>
+          <a:prstGeom prst="rect">
+            <a:avLst/>
+          </a:prstGeom>
+        </p:spPr>
+      </p:pic>
       <p:sp>
         <p:nvSpPr>
           <p:cNvPr id="16" name="Rechteck 15">
@@ -9849,8 +9854,8 @@
         </p:nvSpPr>
         <p:spPr>
           <a:xfrm>
-            <a:off x="4931794" y="2508609"/>
-            <a:ext cx="2670528" cy="393525"/>
+            <a:off x="5948412" y="1720430"/>
+            <a:ext cx="2848870" cy="393525"/>
           </a:xfrm>
           <a:prstGeom prst="rect">
             <a:avLst/>
@@ -9912,183 +9917,12 @@
           <a:chExt cx="0" cy="0"/>
         </a:xfrm>
       </p:grpSpPr>
-      <p:sp>
-        <p:nvSpPr>
-          <p:cNvPr id="2" name="Foliennummernplatzhalter 1">
-            <a:extLst>
-              <a:ext uri="{FF2B5EF4-FFF2-40B4-BE49-F238E27FC236}">
-                <a16:creationId xmlns:a16="http://schemas.microsoft.com/office/drawing/2014/main" id="{5D0C81A9-A93A-4627-912A-4C93BF2785DC}"/>
-              </a:ext>
-            </a:extLst>
-          </p:cNvPr>
-          <p:cNvSpPr>
-            <a:spLocks noGrp="1"/>
-          </p:cNvSpPr>
-          <p:nvPr>
-            <p:ph type="sldNum" sz="quarter" idx="4"/>
-          </p:nvPr>
-        </p:nvSpPr>
-        <p:spPr/>
-        <p:txBody>
-          <a:bodyPr/>
-          <a:lstStyle/>
-          <a:p>
-            <a:fld id="{377F3D1B-E4E9-43EF-B22E-6D7B01945082}" type="slidenum">
-              <a:rPr lang="de-DE" smtClean="0"/>
-              <a:pPr/>
-              <a:t>17</a:t>
-            </a:fld>
-            <a:endParaRPr lang="de-DE" dirty="0"/>
-          </a:p>
-        </p:txBody>
-      </p:sp>
-      <p:sp>
-        <p:nvSpPr>
-          <p:cNvPr id="3" name="Titel 2">
-            <a:extLst>
-              <a:ext uri="{FF2B5EF4-FFF2-40B4-BE49-F238E27FC236}">
-                <a16:creationId xmlns:a16="http://schemas.microsoft.com/office/drawing/2014/main" id="{F650B59F-C378-0AA1-6219-0B97FD6C4623}"/>
-              </a:ext>
-            </a:extLst>
-          </p:cNvPr>
-          <p:cNvSpPr>
-            <a:spLocks noGrp="1"/>
-          </p:cNvSpPr>
-          <p:nvPr>
-            <p:ph type="title"/>
-          </p:nvPr>
-        </p:nvSpPr>
-        <p:spPr/>
-        <p:txBody>
-          <a:bodyPr/>
-          <a:lstStyle/>
-          <a:p>
-            <a:endParaRPr lang="de-DE"/>
-          </a:p>
-        </p:txBody>
-      </p:sp>
-      <p:sp>
-        <p:nvSpPr>
-          <p:cNvPr id="4" name="Textplatzhalter 3">
-            <a:extLst>
-              <a:ext uri="{FF2B5EF4-FFF2-40B4-BE49-F238E27FC236}">
-                <a16:creationId xmlns:a16="http://schemas.microsoft.com/office/drawing/2014/main" id="{DA39E6A8-3696-50BB-3F65-7D499F0E6174}"/>
-              </a:ext>
-            </a:extLst>
-          </p:cNvPr>
-          <p:cNvSpPr>
-            <a:spLocks noGrp="1"/>
-          </p:cNvSpPr>
-          <p:nvPr>
-            <p:ph type="body" sz="quarter" idx="10"/>
-          </p:nvPr>
-        </p:nvSpPr>
-        <p:spPr/>
-        <p:txBody>
-          <a:bodyPr/>
-          <a:lstStyle/>
-          <a:p>
-            <a:r>
-              <a:rPr lang="de-DE" dirty="0"/>
-              <a:t>Erklärungen in Tabelle 2</a:t>
-            </a:r>
-          </a:p>
-        </p:txBody>
-      </p:sp>
-      <p:sp>
-        <p:nvSpPr>
-          <p:cNvPr id="7" name="Rechteck 6">
-            <a:extLst>
-              <a:ext uri="{FF2B5EF4-FFF2-40B4-BE49-F238E27FC236}">
-                <a16:creationId xmlns:a16="http://schemas.microsoft.com/office/drawing/2014/main" id="{5D664FD2-6CC6-D762-C1F3-B29384ECBE39}"/>
-              </a:ext>
-            </a:extLst>
-          </p:cNvPr>
-          <p:cNvSpPr/>
-          <p:nvPr/>
-        </p:nvSpPr>
-        <p:spPr>
-          <a:xfrm>
-            <a:off x="1064302" y="1810672"/>
-            <a:ext cx="1976513" cy="1411982"/>
-          </a:xfrm>
-          <a:prstGeom prst="rect">
-            <a:avLst/>
-          </a:prstGeom>
-          <a:noFill/>
-        </p:spPr>
-        <p:style>
-          <a:lnRef idx="2">
-            <a:schemeClr val="accent1">
-              <a:shade val="50000"/>
-            </a:schemeClr>
-          </a:lnRef>
-          <a:fillRef idx="1">
-            <a:schemeClr val="accent1"/>
-          </a:fillRef>
-          <a:effectRef idx="0">
-            <a:schemeClr val="accent1"/>
-          </a:effectRef>
-          <a:fontRef idx="minor">
-            <a:schemeClr val="lt1"/>
-          </a:fontRef>
-        </p:style>
-        <p:txBody>
-          <a:bodyPr rtlCol="0" anchor="ctr"/>
-          <a:lstStyle/>
-          <a:p>
-            <a:pPr algn="ctr"/>
-            <a:endParaRPr lang="de-DE"/>
-          </a:p>
-        </p:txBody>
-      </p:sp>
-      <p:sp>
-        <p:nvSpPr>
-          <p:cNvPr id="8" name="Textfeld 7">
-            <a:extLst>
-              <a:ext uri="{FF2B5EF4-FFF2-40B4-BE49-F238E27FC236}">
-                <a16:creationId xmlns:a16="http://schemas.microsoft.com/office/drawing/2014/main" id="{F74A97F1-E041-A854-71D6-F0D2627C7F57}"/>
-              </a:ext>
-            </a:extLst>
-          </p:cNvPr>
-          <p:cNvSpPr txBox="1"/>
-          <p:nvPr/>
-        </p:nvSpPr>
-        <p:spPr>
-          <a:xfrm>
-            <a:off x="1226762" y="1916498"/>
-            <a:ext cx="1651591" cy="1200329"/>
-          </a:xfrm>
-          <a:prstGeom prst="rect">
-            <a:avLst/>
-          </a:prstGeom>
-          <a:noFill/>
-        </p:spPr>
-        <p:txBody>
-          <a:bodyPr wrap="square" rtlCol="0">
-            <a:spAutoFit/>
-          </a:bodyPr>
-          <a:lstStyle/>
-          <a:p>
-            <a:r>
-              <a:rPr lang="de-DE" sz="1200" dirty="0">
-                <a:solidFill>
-                  <a:schemeClr val="bg1">
-                    <a:lumMod val="10000"/>
-                  </a:schemeClr>
-                </a:solidFill>
-              </a:rPr>
-              <a:t>Auch hier gilt wieder: Orange dürft ihr verändern und euch Notizen machen, weiß bitte nicht verändern!</a:t>
-            </a:r>
-          </a:p>
-        </p:txBody>
-      </p:sp>
       <p:pic>
         <p:nvPicPr>
-          <p:cNvPr id="9" name="Grafik 8" descr="Ein Bild, das Text enthält.&#10;&#10;Automatisch generierte Beschreibung">
-            <a:extLst>
-              <a:ext uri="{FF2B5EF4-FFF2-40B4-BE49-F238E27FC236}">
-                <a16:creationId xmlns:a16="http://schemas.microsoft.com/office/drawing/2014/main" id="{8CB92F98-A606-45CE-E10A-82B44EB5C397}"/>
+          <p:cNvPr id="21" name="Grafik 20" descr="Ein Bild, das Tisch enthält.&#10;&#10;Automatisch generierte Beschreibung">
+            <a:extLst>
+              <a:ext uri="{FF2B5EF4-FFF2-40B4-BE49-F238E27FC236}">
+                <a16:creationId xmlns:a16="http://schemas.microsoft.com/office/drawing/2014/main" id="{04504F4A-D9E8-4937-7DC9-9A707483C0DC}"/>
               </a:ext>
             </a:extLst>
           </p:cNvPr>
@@ -10105,18 +9939,445 @@
         </p:blipFill>
         <p:spPr>
           <a:xfrm>
-            <a:off x="3309187" y="1278413"/>
-            <a:ext cx="5588000" cy="2476500"/>
+            <a:off x="2797840" y="1481664"/>
+            <a:ext cx="2849259" cy="2272343"/>
           </a:xfrm>
           <a:prstGeom prst="rect">
             <a:avLst/>
           </a:prstGeom>
         </p:spPr>
       </p:pic>
+      <p:sp>
+        <p:nvSpPr>
+          <p:cNvPr id="2" name="Foliennummernplatzhalter 1">
+            <a:extLst>
+              <a:ext uri="{FF2B5EF4-FFF2-40B4-BE49-F238E27FC236}">
+                <a16:creationId xmlns:a16="http://schemas.microsoft.com/office/drawing/2014/main" id="{64AC8B8A-20CF-7F54-2DAA-9A38FA55F566}"/>
+              </a:ext>
+            </a:extLst>
+          </p:cNvPr>
+          <p:cNvSpPr>
+            <a:spLocks noGrp="1"/>
+          </p:cNvSpPr>
+          <p:nvPr>
+            <p:ph type="sldNum" sz="quarter" idx="4"/>
+          </p:nvPr>
+        </p:nvSpPr>
+        <p:spPr/>
+        <p:txBody>
+          <a:bodyPr/>
+          <a:lstStyle/>
+          <a:p>
+            <a:fld id="{377F3D1B-E4E9-43EF-B22E-6D7B01945082}" type="slidenum">
+              <a:rPr lang="de-DE" smtClean="0"/>
+              <a:pPr/>
+              <a:t>17</a:t>
+            </a:fld>
+            <a:endParaRPr lang="de-DE" dirty="0"/>
+          </a:p>
+        </p:txBody>
+      </p:sp>
+      <p:sp>
+        <p:nvSpPr>
+          <p:cNvPr id="3" name="Titel 2">
+            <a:extLst>
+              <a:ext uri="{FF2B5EF4-FFF2-40B4-BE49-F238E27FC236}">
+                <a16:creationId xmlns:a16="http://schemas.microsoft.com/office/drawing/2014/main" id="{89D5B6AC-353D-A199-0C08-05C541573766}"/>
+              </a:ext>
+            </a:extLst>
+          </p:cNvPr>
+          <p:cNvSpPr>
+            <a:spLocks noGrp="1"/>
+          </p:cNvSpPr>
+          <p:nvPr>
+            <p:ph type="title"/>
+          </p:nvPr>
+        </p:nvSpPr>
+        <p:spPr/>
+        <p:txBody>
+          <a:bodyPr/>
+          <a:lstStyle/>
+          <a:p>
+            <a:endParaRPr lang="de-DE" dirty="0"/>
+          </a:p>
+        </p:txBody>
+      </p:sp>
+      <p:sp>
+        <p:nvSpPr>
+          <p:cNvPr id="4" name="Textplatzhalter 3">
+            <a:extLst>
+              <a:ext uri="{FF2B5EF4-FFF2-40B4-BE49-F238E27FC236}">
+                <a16:creationId xmlns:a16="http://schemas.microsoft.com/office/drawing/2014/main" id="{CE2D01E2-B603-FD8D-2FB7-64456F2AAB4A}"/>
+              </a:ext>
+            </a:extLst>
+          </p:cNvPr>
+          <p:cNvSpPr>
+            <a:spLocks noGrp="1"/>
+          </p:cNvSpPr>
+          <p:nvPr>
+            <p:ph type="body" sz="quarter" idx="10"/>
+          </p:nvPr>
+        </p:nvSpPr>
+        <p:spPr/>
+        <p:txBody>
+          <a:bodyPr/>
+          <a:lstStyle/>
+          <a:p>
+            <a:r>
+              <a:rPr lang="de-DE" dirty="0"/>
+              <a:t>Die Neuerungen – REFERENCE</a:t>
+            </a:r>
+          </a:p>
+        </p:txBody>
+      </p:sp>
+      <p:sp>
+        <p:nvSpPr>
+          <p:cNvPr id="14" name="Rechteck 13">
+            <a:extLst>
+              <a:ext uri="{FF2B5EF4-FFF2-40B4-BE49-F238E27FC236}">
+                <a16:creationId xmlns:a16="http://schemas.microsoft.com/office/drawing/2014/main" id="{3B7F9BA3-B813-0A51-50D9-25A842E49434}"/>
+              </a:ext>
+            </a:extLst>
+          </p:cNvPr>
+          <p:cNvSpPr/>
+          <p:nvPr/>
+        </p:nvSpPr>
+        <p:spPr>
+          <a:xfrm>
+            <a:off x="2737820" y="1481665"/>
+            <a:ext cx="1168061" cy="238766"/>
+          </a:xfrm>
+          <a:prstGeom prst="rect">
+            <a:avLst/>
+          </a:prstGeom>
+          <a:noFill/>
+        </p:spPr>
+        <p:style>
+          <a:lnRef idx="2">
+            <a:schemeClr val="accent1">
+              <a:shade val="50000"/>
+            </a:schemeClr>
+          </a:lnRef>
+          <a:fillRef idx="1">
+            <a:schemeClr val="accent1"/>
+          </a:fillRef>
+          <a:effectRef idx="0">
+            <a:schemeClr val="accent1"/>
+          </a:effectRef>
+          <a:fontRef idx="minor">
+            <a:schemeClr val="lt1"/>
+          </a:fontRef>
+        </p:style>
+        <p:txBody>
+          <a:bodyPr rtlCol="0" anchor="ctr"/>
+          <a:lstStyle/>
+          <a:p>
+            <a:pPr algn="ctr"/>
+            <a:endParaRPr lang="de-DE"/>
+          </a:p>
+        </p:txBody>
+      </p:sp>
+      <p:pic>
+        <p:nvPicPr>
+          <p:cNvPr id="19" name="Grafik 18" descr="Ein Bild, das Tisch enthält.&#10;&#10;Automatisch generierte Beschreibung">
+            <a:extLst>
+              <a:ext uri="{FF2B5EF4-FFF2-40B4-BE49-F238E27FC236}">
+                <a16:creationId xmlns:a16="http://schemas.microsoft.com/office/drawing/2014/main" id="{9661415B-0063-E3DE-D60C-AB0594B3C433}"/>
+              </a:ext>
+            </a:extLst>
+          </p:cNvPr>
+          <p:cNvPicPr>
+            <a:picLocks noChangeAspect="1"/>
+          </p:cNvPicPr>
+          <p:nvPr/>
+        </p:nvPicPr>
+        <p:blipFill>
+          <a:blip r:embed="rId3"/>
+          <a:stretch>
+            <a:fillRect/>
+          </a:stretch>
+        </p:blipFill>
+        <p:spPr>
+          <a:xfrm>
+            <a:off x="5948412" y="1085215"/>
+            <a:ext cx="2848871" cy="3065241"/>
+          </a:xfrm>
+          <a:prstGeom prst="rect">
+            <a:avLst/>
+          </a:prstGeom>
+        </p:spPr>
+      </p:pic>
+      <p:sp>
+        <p:nvSpPr>
+          <p:cNvPr id="16" name="Rechteck 15">
+            <a:extLst>
+              <a:ext uri="{FF2B5EF4-FFF2-40B4-BE49-F238E27FC236}">
+                <a16:creationId xmlns:a16="http://schemas.microsoft.com/office/drawing/2014/main" id="{8FF903F8-283D-F7CC-335B-1EC11C2E4901}"/>
+              </a:ext>
+            </a:extLst>
+          </p:cNvPr>
+          <p:cNvSpPr/>
+          <p:nvPr/>
+        </p:nvSpPr>
+        <p:spPr>
+          <a:xfrm>
+            <a:off x="5948412" y="1085215"/>
+            <a:ext cx="1321068" cy="164465"/>
+          </a:xfrm>
+          <a:prstGeom prst="rect">
+            <a:avLst/>
+          </a:prstGeom>
+          <a:noFill/>
+        </p:spPr>
+        <p:style>
+          <a:lnRef idx="2">
+            <a:schemeClr val="accent1">
+              <a:shade val="50000"/>
+            </a:schemeClr>
+          </a:lnRef>
+          <a:fillRef idx="1">
+            <a:schemeClr val="accent1"/>
+          </a:fillRef>
+          <a:effectRef idx="0">
+            <a:schemeClr val="accent1"/>
+          </a:effectRef>
+          <a:fontRef idx="minor">
+            <a:schemeClr val="lt1"/>
+          </a:fontRef>
+        </p:style>
+        <p:txBody>
+          <a:bodyPr rtlCol="0" anchor="ctr"/>
+          <a:lstStyle/>
+          <a:p>
+            <a:pPr algn="ctr"/>
+            <a:endParaRPr lang="de-DE"/>
+          </a:p>
+        </p:txBody>
+      </p:sp>
+      <p:sp>
+        <p:nvSpPr>
+          <p:cNvPr id="22" name="Rechteck 21">
+            <a:extLst>
+              <a:ext uri="{FF2B5EF4-FFF2-40B4-BE49-F238E27FC236}">
+                <a16:creationId xmlns:a16="http://schemas.microsoft.com/office/drawing/2014/main" id="{A4BEFC76-DDE0-A20C-A695-01C256567222}"/>
+              </a:ext>
+            </a:extLst>
+          </p:cNvPr>
+          <p:cNvSpPr/>
+          <p:nvPr/>
+        </p:nvSpPr>
+        <p:spPr>
+          <a:xfrm>
+            <a:off x="342312" y="1702235"/>
+            <a:ext cx="1033569" cy="175895"/>
+          </a:xfrm>
+          <a:prstGeom prst="rect">
+            <a:avLst/>
+          </a:prstGeom>
+        </p:spPr>
+        <p:style>
+          <a:lnRef idx="1">
+            <a:schemeClr val="accent1"/>
+          </a:lnRef>
+          <a:fillRef idx="3">
+            <a:schemeClr val="accent1"/>
+          </a:fillRef>
+          <a:effectRef idx="2">
+            <a:schemeClr val="accent1"/>
+          </a:effectRef>
+          <a:fontRef idx="minor">
+            <a:schemeClr val="lt1"/>
+          </a:fontRef>
+        </p:style>
+        <p:txBody>
+          <a:bodyPr rtlCol="0" anchor="ctr"/>
+          <a:lstStyle/>
+          <a:p>
+            <a:pPr algn="ctr"/>
+            <a:r>
+              <a:rPr lang="de-DE" sz="1000" dirty="0"/>
+              <a:t>Achtung!</a:t>
+            </a:r>
+          </a:p>
+        </p:txBody>
+      </p:sp>
+      <p:sp>
+        <p:nvSpPr>
+          <p:cNvPr id="23" name="Textfeld 22">
+            <a:extLst>
+              <a:ext uri="{FF2B5EF4-FFF2-40B4-BE49-F238E27FC236}">
+                <a16:creationId xmlns:a16="http://schemas.microsoft.com/office/drawing/2014/main" id="{8CA8DE63-2415-FEB4-0DF5-1EF810463B80}"/>
+              </a:ext>
+            </a:extLst>
+          </p:cNvPr>
+          <p:cNvSpPr txBox="1"/>
+          <p:nvPr/>
+        </p:nvSpPr>
+        <p:spPr>
+          <a:xfrm>
+            <a:off x="902438" y="2095834"/>
+            <a:ext cx="1651591" cy="461665"/>
+          </a:xfrm>
+          <a:prstGeom prst="rect">
+            <a:avLst/>
+          </a:prstGeom>
+          <a:noFill/>
+        </p:spPr>
+        <p:txBody>
+          <a:bodyPr wrap="square" rtlCol="0">
+            <a:spAutoFit/>
+          </a:bodyPr>
+          <a:lstStyle/>
+          <a:p>
+            <a:r>
+              <a:rPr lang="de-DE" sz="1200" dirty="0">
+                <a:solidFill>
+                  <a:schemeClr val="bg1">
+                    <a:lumMod val="10000"/>
+                  </a:schemeClr>
+                </a:solidFill>
+              </a:rPr>
+              <a:t>Nummerierung ist ab jetzt wichtig!</a:t>
+            </a:r>
+          </a:p>
+        </p:txBody>
+      </p:sp>
+      <p:sp>
+        <p:nvSpPr>
+          <p:cNvPr id="24" name="Gewitterblitz 23">
+            <a:extLst>
+              <a:ext uri="{FF2B5EF4-FFF2-40B4-BE49-F238E27FC236}">
+                <a16:creationId xmlns:a16="http://schemas.microsoft.com/office/drawing/2014/main" id="{C6444B69-7DCA-2148-BD6B-E12721CB10CC}"/>
+              </a:ext>
+            </a:extLst>
+          </p:cNvPr>
+          <p:cNvSpPr/>
+          <p:nvPr/>
+        </p:nvSpPr>
+        <p:spPr>
+          <a:xfrm>
+            <a:off x="342312" y="2162058"/>
+            <a:ext cx="485775" cy="819384"/>
+          </a:xfrm>
+          <a:prstGeom prst="lightningBolt">
+            <a:avLst/>
+          </a:prstGeom>
+        </p:spPr>
+        <p:style>
+          <a:lnRef idx="1">
+            <a:schemeClr val="accent1"/>
+          </a:lnRef>
+          <a:fillRef idx="3">
+            <a:schemeClr val="accent1"/>
+          </a:fillRef>
+          <a:effectRef idx="2">
+            <a:schemeClr val="accent1"/>
+          </a:effectRef>
+          <a:fontRef idx="minor">
+            <a:schemeClr val="lt1"/>
+          </a:fontRef>
+        </p:style>
+        <p:txBody>
+          <a:bodyPr rtlCol="0" anchor="ctr"/>
+          <a:lstStyle/>
+          <a:p>
+            <a:pPr algn="ctr"/>
+            <a:endParaRPr lang="de-DE"/>
+          </a:p>
+        </p:txBody>
+      </p:sp>
+      <p:sp>
+        <p:nvSpPr>
+          <p:cNvPr id="5" name="Pfeil nach rechts 4">
+            <a:extLst>
+              <a:ext uri="{FF2B5EF4-FFF2-40B4-BE49-F238E27FC236}">
+                <a16:creationId xmlns:a16="http://schemas.microsoft.com/office/drawing/2014/main" id="{E4FC8658-C506-02E3-6D60-6CFEDB4D44E4}"/>
+              </a:ext>
+            </a:extLst>
+          </p:cNvPr>
+          <p:cNvSpPr/>
+          <p:nvPr/>
+        </p:nvSpPr>
+        <p:spPr>
+          <a:xfrm>
+            <a:off x="1877029" y="1469166"/>
+            <a:ext cx="738921" cy="290457"/>
+          </a:xfrm>
+          <a:prstGeom prst="rightArrow">
+            <a:avLst/>
+          </a:prstGeom>
+        </p:spPr>
+        <p:style>
+          <a:lnRef idx="1">
+            <a:schemeClr val="accent1"/>
+          </a:lnRef>
+          <a:fillRef idx="3">
+            <a:schemeClr val="accent1"/>
+          </a:fillRef>
+          <a:effectRef idx="2">
+            <a:schemeClr val="accent1"/>
+          </a:effectRef>
+          <a:fontRef idx="minor">
+            <a:schemeClr val="lt1"/>
+          </a:fontRef>
+        </p:style>
+        <p:txBody>
+          <a:bodyPr rtlCol="0" anchor="ctr"/>
+          <a:lstStyle/>
+          <a:p>
+            <a:pPr algn="ctr"/>
+            <a:endParaRPr lang="de-DE"/>
+          </a:p>
+        </p:txBody>
+      </p:sp>
+      <p:sp>
+        <p:nvSpPr>
+          <p:cNvPr id="6" name="Pfeil nach rechts 5">
+            <a:extLst>
+              <a:ext uri="{FF2B5EF4-FFF2-40B4-BE49-F238E27FC236}">
+                <a16:creationId xmlns:a16="http://schemas.microsoft.com/office/drawing/2014/main" id="{7CAFAD7D-F778-367E-7D5B-383C8C058706}"/>
+              </a:ext>
+            </a:extLst>
+          </p:cNvPr>
+          <p:cNvSpPr/>
+          <p:nvPr/>
+        </p:nvSpPr>
+        <p:spPr>
+          <a:xfrm>
+            <a:off x="5058834" y="1012629"/>
+            <a:ext cx="738921" cy="290457"/>
+          </a:xfrm>
+          <a:prstGeom prst="rightArrow">
+            <a:avLst/>
+          </a:prstGeom>
+        </p:spPr>
+        <p:style>
+          <a:lnRef idx="1">
+            <a:schemeClr val="accent1"/>
+          </a:lnRef>
+          <a:fillRef idx="3">
+            <a:schemeClr val="accent1"/>
+          </a:fillRef>
+          <a:effectRef idx="2">
+            <a:schemeClr val="accent1"/>
+          </a:effectRef>
+          <a:fontRef idx="minor">
+            <a:schemeClr val="lt1"/>
+          </a:fontRef>
+        </p:style>
+        <p:txBody>
+          <a:bodyPr rtlCol="0" anchor="ctr"/>
+          <a:lstStyle/>
+          <a:p>
+            <a:pPr algn="ctr"/>
+            <a:endParaRPr lang="de-DE"/>
+          </a:p>
+        </p:txBody>
+      </p:sp>
     </p:spTree>
     <p:extLst>
       <p:ext uri="{BB962C8B-B14F-4D97-AF65-F5344CB8AC3E}">
-        <p14:creationId xmlns:p14="http://schemas.microsoft.com/office/powerpoint/2010/main" val="266626497"/>
+        <p14:creationId xmlns:p14="http://schemas.microsoft.com/office/powerpoint/2010/main" val="563461114"/>
       </p:ext>
     </p:extLst>
   </p:cSld>
@@ -10159,13 +10420,13 @@
         </p:nvPicPr>
         <p:blipFill rotWithShape="1">
           <a:blip r:embed="rId2"/>
-          <a:srcRect l="-20236" r="-838"/>
+          <a:srcRect l="69385" r="-836"/>
           <a:stretch/>
         </p:blipFill>
         <p:spPr>
           <a:xfrm>
-            <a:off x="-1506069" y="1255651"/>
-            <a:ext cx="10525770" cy="2201116"/>
+            <a:off x="4931794" y="1620184"/>
+            <a:ext cx="2734235" cy="2201116"/>
           </a:xfrm>
           <a:prstGeom prst="rect">
             <a:avLst/>
@@ -10250,7 +10511,7 @@
           <a:p>
             <a:r>
               <a:rPr lang="de-DE" dirty="0"/>
-              <a:t>Die Neuerungen – Neue Etappe</a:t>
+              <a:t>Die Neuerungen –SCALA</a:t>
             </a:r>
           </a:p>
         </p:txBody>
@@ -10269,8 +10530,8 @@
         </p:nvSpPr>
         <p:spPr>
           <a:xfrm>
-            <a:off x="2994212" y="1181122"/>
-            <a:ext cx="3334870" cy="2431654"/>
+            <a:off x="4931794" y="2508609"/>
+            <a:ext cx="2670528" cy="393525"/>
           </a:xfrm>
           <a:prstGeom prst="rect">
             <a:avLst/>
@@ -10302,10 +10563,40 @@
           </a:p>
         </p:txBody>
       </p:sp>
+      <p:pic>
+        <p:nvPicPr>
+          <p:cNvPr id="6" name="Grafik 5" descr="Ein Bild, das Diagramm enthält.&#10;&#10;Automatisch generierte Beschreibung">
+            <a:extLst>
+              <a:ext uri="{FF2B5EF4-FFF2-40B4-BE49-F238E27FC236}">
+                <a16:creationId xmlns:a16="http://schemas.microsoft.com/office/drawing/2014/main" id="{AC2C748E-1151-7819-35D3-1747B2E192AF}"/>
+              </a:ext>
+            </a:extLst>
+          </p:cNvPr>
+          <p:cNvPicPr>
+            <a:picLocks noChangeAspect="1"/>
+          </p:cNvPicPr>
+          <p:nvPr/>
+        </p:nvPicPr>
+        <p:blipFill>
+          <a:blip r:embed="rId3"/>
+          <a:stretch>
+            <a:fillRect/>
+          </a:stretch>
+        </p:blipFill>
+        <p:spPr>
+          <a:xfrm>
+            <a:off x="942522" y="1790971"/>
+            <a:ext cx="3492500" cy="1828800"/>
+          </a:xfrm>
+          <a:prstGeom prst="rect">
+            <a:avLst/>
+          </a:prstGeom>
+        </p:spPr>
+      </p:pic>
     </p:spTree>
     <p:extLst>
       <p:ext uri="{BB962C8B-B14F-4D97-AF65-F5344CB8AC3E}">
-        <p14:creationId xmlns:p14="http://schemas.microsoft.com/office/powerpoint/2010/main" val="287208348"/>
+        <p14:creationId xmlns:p14="http://schemas.microsoft.com/office/powerpoint/2010/main" val="547581662"/>
       </p:ext>
     </p:extLst>
   </p:cSld>
@@ -10337,7 +10628,7 @@
           <p:cNvPr id="2" name="Foliennummernplatzhalter 1">
             <a:extLst>
               <a:ext uri="{FF2B5EF4-FFF2-40B4-BE49-F238E27FC236}">
-                <a16:creationId xmlns:a16="http://schemas.microsoft.com/office/drawing/2014/main" id="{64AC8B8A-20CF-7F54-2DAA-9A38FA55F566}"/>
+                <a16:creationId xmlns:a16="http://schemas.microsoft.com/office/drawing/2014/main" id="{5D0C81A9-A93A-4627-912A-4C93BF2785DC}"/>
               </a:ext>
             </a:extLst>
           </p:cNvPr>
@@ -10367,7 +10658,7 @@
           <p:cNvPr id="3" name="Titel 2">
             <a:extLst>
               <a:ext uri="{FF2B5EF4-FFF2-40B4-BE49-F238E27FC236}">
-                <a16:creationId xmlns:a16="http://schemas.microsoft.com/office/drawing/2014/main" id="{89D5B6AC-353D-A199-0C08-05C541573766}"/>
+                <a16:creationId xmlns:a16="http://schemas.microsoft.com/office/drawing/2014/main" id="{F650B59F-C378-0AA1-6219-0B97FD6C4623}"/>
               </a:ext>
             </a:extLst>
           </p:cNvPr>
@@ -10383,7 +10674,7 @@
           <a:bodyPr/>
           <a:lstStyle/>
           <a:p>
-            <a:endParaRPr lang="de-DE" dirty="0"/>
+            <a:endParaRPr lang="de-DE"/>
           </a:p>
         </p:txBody>
       </p:sp>
@@ -10392,7 +10683,7 @@
           <p:cNvPr id="4" name="Textplatzhalter 3">
             <a:extLst>
               <a:ext uri="{FF2B5EF4-FFF2-40B4-BE49-F238E27FC236}">
-                <a16:creationId xmlns:a16="http://schemas.microsoft.com/office/drawing/2014/main" id="{CE2D01E2-B603-FD8D-2FB7-64456F2AAB4A}"/>
+                <a16:creationId xmlns:a16="http://schemas.microsoft.com/office/drawing/2014/main" id="{DA39E6A8-3696-50BB-3F65-7D499F0E6174}"/>
               </a:ext>
             </a:extLst>
           </p:cNvPr>
@@ -10410,17 +10701,105 @@
           <a:p>
             <a:r>
               <a:rPr lang="de-DE" dirty="0"/>
-              <a:t>Die Neuerungen – Neue Etappe</a:t>
+              <a:t>Erklärungen in Tabelle 2</a:t>
+            </a:r>
+          </a:p>
+        </p:txBody>
+      </p:sp>
+      <p:sp>
+        <p:nvSpPr>
+          <p:cNvPr id="7" name="Rechteck 6">
+            <a:extLst>
+              <a:ext uri="{FF2B5EF4-FFF2-40B4-BE49-F238E27FC236}">
+                <a16:creationId xmlns:a16="http://schemas.microsoft.com/office/drawing/2014/main" id="{5D664FD2-6CC6-D762-C1F3-B29384ECBE39}"/>
+              </a:ext>
+            </a:extLst>
+          </p:cNvPr>
+          <p:cNvSpPr/>
+          <p:nvPr/>
+        </p:nvSpPr>
+        <p:spPr>
+          <a:xfrm>
+            <a:off x="1064302" y="1810672"/>
+            <a:ext cx="1976513" cy="1411982"/>
+          </a:xfrm>
+          <a:prstGeom prst="rect">
+            <a:avLst/>
+          </a:prstGeom>
+          <a:noFill/>
+        </p:spPr>
+        <p:style>
+          <a:lnRef idx="2">
+            <a:schemeClr val="accent1">
+              <a:shade val="50000"/>
+            </a:schemeClr>
+          </a:lnRef>
+          <a:fillRef idx="1">
+            <a:schemeClr val="accent1"/>
+          </a:fillRef>
+          <a:effectRef idx="0">
+            <a:schemeClr val="accent1"/>
+          </a:effectRef>
+          <a:fontRef idx="minor">
+            <a:schemeClr val="lt1"/>
+          </a:fontRef>
+        </p:style>
+        <p:txBody>
+          <a:bodyPr rtlCol="0" anchor="ctr"/>
+          <a:lstStyle/>
+          <a:p>
+            <a:pPr algn="ctr"/>
+            <a:endParaRPr lang="de-DE"/>
+          </a:p>
+        </p:txBody>
+      </p:sp>
+      <p:sp>
+        <p:nvSpPr>
+          <p:cNvPr id="8" name="Textfeld 7">
+            <a:extLst>
+              <a:ext uri="{FF2B5EF4-FFF2-40B4-BE49-F238E27FC236}">
+                <a16:creationId xmlns:a16="http://schemas.microsoft.com/office/drawing/2014/main" id="{F74A97F1-E041-A854-71D6-F0D2627C7F57}"/>
+              </a:ext>
+            </a:extLst>
+          </p:cNvPr>
+          <p:cNvSpPr txBox="1"/>
+          <p:nvPr/>
+        </p:nvSpPr>
+        <p:spPr>
+          <a:xfrm>
+            <a:off x="1226762" y="1916498"/>
+            <a:ext cx="1651591" cy="1200329"/>
+          </a:xfrm>
+          <a:prstGeom prst="rect">
+            <a:avLst/>
+          </a:prstGeom>
+          <a:noFill/>
+        </p:spPr>
+        <p:txBody>
+          <a:bodyPr wrap="square" rtlCol="0">
+            <a:spAutoFit/>
+          </a:bodyPr>
+          <a:lstStyle/>
+          <a:p>
+            <a:r>
+              <a:rPr lang="de-DE" sz="1200" dirty="0">
+                <a:solidFill>
+                  <a:schemeClr val="bg1">
+                    <a:lumMod val="10000"/>
+                  </a:schemeClr>
+                </a:solidFill>
+              </a:rPr>
+              <a:t>Auch hier gilt wieder: Orange dürft ihr verändern und euch Notizen machen, weiß bitte nicht verändern!</a:t>
             </a:r>
           </a:p>
         </p:txBody>
       </p:sp>
       <p:pic>
         <p:nvPicPr>
-          <p:cNvPr id="6" name="Grafik 5" descr="Ein Bild, das Tisch enthält.&#10;&#10;Automatisch generierte Beschreibung">
-            <a:extLst>
-              <a:ext uri="{FF2B5EF4-FFF2-40B4-BE49-F238E27FC236}">
-                <a16:creationId xmlns:a16="http://schemas.microsoft.com/office/drawing/2014/main" id="{DE542F50-6380-7301-0534-4E3BB56AF8C5}"/>
+          <p:cNvPr id="9" name="Grafik 8" descr="Ein Bild, das Text enthält.&#10;&#10;Automatisch generierte Beschreibung">
+            <a:extLst>
+              <a:ext uri="{FF2B5EF4-FFF2-40B4-BE49-F238E27FC236}">
+                <a16:creationId xmlns:a16="http://schemas.microsoft.com/office/drawing/2014/main" id="{8CB92F98-A606-45CE-E10A-82B44EB5C397}"/>
               </a:ext>
             </a:extLst>
           </p:cNvPr>
@@ -10437,112 +10816,18 @@
         </p:blipFill>
         <p:spPr>
           <a:xfrm>
-            <a:off x="71716" y="1483275"/>
-            <a:ext cx="8860547" cy="2002686"/>
+            <a:off x="3309187" y="1278413"/>
+            <a:ext cx="5588000" cy="2476500"/>
           </a:xfrm>
           <a:prstGeom prst="rect">
             <a:avLst/>
           </a:prstGeom>
         </p:spPr>
       </p:pic>
-      <p:sp>
-        <p:nvSpPr>
-          <p:cNvPr id="16" name="Rechteck 15">
-            <a:extLst>
-              <a:ext uri="{FF2B5EF4-FFF2-40B4-BE49-F238E27FC236}">
-                <a16:creationId xmlns:a16="http://schemas.microsoft.com/office/drawing/2014/main" id="{8FF903F8-283D-F7CC-335B-1EC11C2E4901}"/>
-              </a:ext>
-            </a:extLst>
-          </p:cNvPr>
-          <p:cNvSpPr/>
-          <p:nvPr/>
-        </p:nvSpPr>
-        <p:spPr>
-          <a:xfrm>
-            <a:off x="6373906" y="1371600"/>
-            <a:ext cx="1541929" cy="1461246"/>
-          </a:xfrm>
-          <a:prstGeom prst="rect">
-            <a:avLst/>
-          </a:prstGeom>
-          <a:noFill/>
-        </p:spPr>
-        <p:style>
-          <a:lnRef idx="2">
-            <a:schemeClr val="accent1">
-              <a:shade val="50000"/>
-            </a:schemeClr>
-          </a:lnRef>
-          <a:fillRef idx="1">
-            <a:schemeClr val="accent1"/>
-          </a:fillRef>
-          <a:effectRef idx="0">
-            <a:schemeClr val="accent1"/>
-          </a:effectRef>
-          <a:fontRef idx="minor">
-            <a:schemeClr val="lt1"/>
-          </a:fontRef>
-        </p:style>
-        <p:txBody>
-          <a:bodyPr rtlCol="0" anchor="ctr"/>
-          <a:lstStyle/>
-          <a:p>
-            <a:pPr algn="ctr"/>
-            <a:endParaRPr lang="de-DE"/>
-          </a:p>
-        </p:txBody>
-      </p:sp>
-      <p:sp>
-        <p:nvSpPr>
-          <p:cNvPr id="5" name="Rechteck 4">
-            <a:extLst>
-              <a:ext uri="{FF2B5EF4-FFF2-40B4-BE49-F238E27FC236}">
-                <a16:creationId xmlns:a16="http://schemas.microsoft.com/office/drawing/2014/main" id="{4799FF6D-2191-F0E8-FB69-A481C4331F70}"/>
-              </a:ext>
-            </a:extLst>
-          </p:cNvPr>
-          <p:cNvSpPr/>
-          <p:nvPr/>
-        </p:nvSpPr>
-        <p:spPr>
-          <a:xfrm>
-            <a:off x="71716" y="1371599"/>
-            <a:ext cx="1954308" cy="2196353"/>
-          </a:xfrm>
-          <a:prstGeom prst="rect">
-            <a:avLst/>
-          </a:prstGeom>
-          <a:noFill/>
-        </p:spPr>
-        <p:style>
-          <a:lnRef idx="2">
-            <a:schemeClr val="accent1">
-              <a:shade val="50000"/>
-            </a:schemeClr>
-          </a:lnRef>
-          <a:fillRef idx="1">
-            <a:schemeClr val="accent1"/>
-          </a:fillRef>
-          <a:effectRef idx="0">
-            <a:schemeClr val="accent1"/>
-          </a:effectRef>
-          <a:fontRef idx="minor">
-            <a:schemeClr val="lt1"/>
-          </a:fontRef>
-        </p:style>
-        <p:txBody>
-          <a:bodyPr rtlCol="0" anchor="ctr"/>
-          <a:lstStyle/>
-          <a:p>
-            <a:pPr algn="ctr"/>
-            <a:endParaRPr lang="de-DE"/>
-          </a:p>
-        </p:txBody>
-      </p:sp>
     </p:spTree>
     <p:extLst>
       <p:ext uri="{BB962C8B-B14F-4D97-AF65-F5344CB8AC3E}">
-        <p14:creationId xmlns:p14="http://schemas.microsoft.com/office/powerpoint/2010/main" val="1590381900"/>
+        <p14:creationId xmlns:p14="http://schemas.microsoft.com/office/powerpoint/2010/main" val="266626497"/>
       </p:ext>
     </p:extLst>
   </p:cSld>
@@ -10962,183 +11247,12 @@
           <a:chExt cx="0" cy="0"/>
         </a:xfrm>
       </p:grpSpPr>
-      <p:sp>
-        <p:nvSpPr>
-          <p:cNvPr id="2" name="Foliennummernplatzhalter 1">
-            <a:extLst>
-              <a:ext uri="{FF2B5EF4-FFF2-40B4-BE49-F238E27FC236}">
-                <a16:creationId xmlns:a16="http://schemas.microsoft.com/office/drawing/2014/main" id="{5D0C81A9-A93A-4627-912A-4C93BF2785DC}"/>
-              </a:ext>
-            </a:extLst>
-          </p:cNvPr>
-          <p:cNvSpPr>
-            <a:spLocks noGrp="1"/>
-          </p:cNvSpPr>
-          <p:nvPr>
-            <p:ph type="sldNum" sz="quarter" idx="4"/>
-          </p:nvPr>
-        </p:nvSpPr>
-        <p:spPr/>
-        <p:txBody>
-          <a:bodyPr/>
-          <a:lstStyle/>
-          <a:p>
-            <a:fld id="{377F3D1B-E4E9-43EF-B22E-6D7B01945082}" type="slidenum">
-              <a:rPr lang="de-DE" smtClean="0"/>
-              <a:pPr/>
-              <a:t>20</a:t>
-            </a:fld>
-            <a:endParaRPr lang="de-DE" dirty="0"/>
-          </a:p>
-        </p:txBody>
-      </p:sp>
-      <p:sp>
-        <p:nvSpPr>
-          <p:cNvPr id="3" name="Titel 2">
-            <a:extLst>
-              <a:ext uri="{FF2B5EF4-FFF2-40B4-BE49-F238E27FC236}">
-                <a16:creationId xmlns:a16="http://schemas.microsoft.com/office/drawing/2014/main" id="{F650B59F-C378-0AA1-6219-0B97FD6C4623}"/>
-              </a:ext>
-            </a:extLst>
-          </p:cNvPr>
-          <p:cNvSpPr>
-            <a:spLocks noGrp="1"/>
-          </p:cNvSpPr>
-          <p:nvPr>
-            <p:ph type="title"/>
-          </p:nvPr>
-        </p:nvSpPr>
-        <p:spPr/>
-        <p:txBody>
-          <a:bodyPr/>
-          <a:lstStyle/>
-          <a:p>
-            <a:endParaRPr lang="de-DE"/>
-          </a:p>
-        </p:txBody>
-      </p:sp>
-      <p:sp>
-        <p:nvSpPr>
-          <p:cNvPr id="4" name="Textplatzhalter 3">
-            <a:extLst>
-              <a:ext uri="{FF2B5EF4-FFF2-40B4-BE49-F238E27FC236}">
-                <a16:creationId xmlns:a16="http://schemas.microsoft.com/office/drawing/2014/main" id="{DA39E6A8-3696-50BB-3F65-7D499F0E6174}"/>
-              </a:ext>
-            </a:extLst>
-          </p:cNvPr>
-          <p:cNvSpPr>
-            <a:spLocks noGrp="1"/>
-          </p:cNvSpPr>
-          <p:nvPr>
-            <p:ph type="body" sz="quarter" idx="10"/>
-          </p:nvPr>
-        </p:nvSpPr>
-        <p:spPr/>
-        <p:txBody>
-          <a:bodyPr/>
-          <a:lstStyle/>
-          <a:p>
-            <a:r>
-              <a:rPr lang="de-DE" dirty="0"/>
-              <a:t>Erklärungen in Tabelle 2</a:t>
-            </a:r>
-          </a:p>
-        </p:txBody>
-      </p:sp>
-      <p:sp>
-        <p:nvSpPr>
-          <p:cNvPr id="7" name="Rechteck 6">
-            <a:extLst>
-              <a:ext uri="{FF2B5EF4-FFF2-40B4-BE49-F238E27FC236}">
-                <a16:creationId xmlns:a16="http://schemas.microsoft.com/office/drawing/2014/main" id="{5D664FD2-6CC6-D762-C1F3-B29384ECBE39}"/>
-              </a:ext>
-            </a:extLst>
-          </p:cNvPr>
-          <p:cNvSpPr/>
-          <p:nvPr/>
-        </p:nvSpPr>
-        <p:spPr>
-          <a:xfrm>
-            <a:off x="1064302" y="1810672"/>
-            <a:ext cx="1976513" cy="1411982"/>
-          </a:xfrm>
-          <a:prstGeom prst="rect">
-            <a:avLst/>
-          </a:prstGeom>
-          <a:noFill/>
-        </p:spPr>
-        <p:style>
-          <a:lnRef idx="2">
-            <a:schemeClr val="accent1">
-              <a:shade val="50000"/>
-            </a:schemeClr>
-          </a:lnRef>
-          <a:fillRef idx="1">
-            <a:schemeClr val="accent1"/>
-          </a:fillRef>
-          <a:effectRef idx="0">
-            <a:schemeClr val="accent1"/>
-          </a:effectRef>
-          <a:fontRef idx="minor">
-            <a:schemeClr val="lt1"/>
-          </a:fontRef>
-        </p:style>
-        <p:txBody>
-          <a:bodyPr rtlCol="0" anchor="ctr"/>
-          <a:lstStyle/>
-          <a:p>
-            <a:pPr algn="ctr"/>
-            <a:endParaRPr lang="de-DE"/>
-          </a:p>
-        </p:txBody>
-      </p:sp>
-      <p:sp>
-        <p:nvSpPr>
-          <p:cNvPr id="8" name="Textfeld 7">
-            <a:extLst>
-              <a:ext uri="{FF2B5EF4-FFF2-40B4-BE49-F238E27FC236}">
-                <a16:creationId xmlns:a16="http://schemas.microsoft.com/office/drawing/2014/main" id="{F74A97F1-E041-A854-71D6-F0D2627C7F57}"/>
-              </a:ext>
-            </a:extLst>
-          </p:cNvPr>
-          <p:cNvSpPr txBox="1"/>
-          <p:nvPr/>
-        </p:nvSpPr>
-        <p:spPr>
-          <a:xfrm>
-            <a:off x="1226762" y="1916498"/>
-            <a:ext cx="1651591" cy="1200329"/>
-          </a:xfrm>
-          <a:prstGeom prst="rect">
-            <a:avLst/>
-          </a:prstGeom>
-          <a:noFill/>
-        </p:spPr>
-        <p:txBody>
-          <a:bodyPr wrap="square" rtlCol="0">
-            <a:spAutoFit/>
-          </a:bodyPr>
-          <a:lstStyle/>
-          <a:p>
-            <a:r>
-              <a:rPr lang="de-DE" sz="1200" dirty="0">
-                <a:solidFill>
-                  <a:schemeClr val="bg1">
-                    <a:lumMod val="10000"/>
-                  </a:schemeClr>
-                </a:solidFill>
-              </a:rPr>
-              <a:t>Auch hier gilt wieder: Orange dürft ihr verändern und euch Notizen machen, weiß bitte nicht verändern!</a:t>
-            </a:r>
-          </a:p>
-        </p:txBody>
-      </p:sp>
       <p:pic>
         <p:nvPicPr>
-          <p:cNvPr id="6" name="Grafik 5" descr="Ein Bild, das Tisch enthält.&#10;&#10;Automatisch generierte Beschreibung">
-            <a:extLst>
-              <a:ext uri="{FF2B5EF4-FFF2-40B4-BE49-F238E27FC236}">
-                <a16:creationId xmlns:a16="http://schemas.microsoft.com/office/drawing/2014/main" id="{B3753163-6EE7-9A40-B799-09DC877275DA}"/>
+          <p:cNvPr id="8" name="Grafik 7">
+            <a:extLst>
+              <a:ext uri="{FF2B5EF4-FFF2-40B4-BE49-F238E27FC236}">
+                <a16:creationId xmlns:a16="http://schemas.microsoft.com/office/drawing/2014/main" id="{99BA11B0-450C-7C27-77C0-2FFDBA0DE672}"/>
               </a:ext>
             </a:extLst>
           </p:cNvPr>
@@ -11155,18 +11269,148 @@
         </p:blipFill>
         <p:spPr>
           <a:xfrm>
-            <a:off x="3296487" y="1582645"/>
-            <a:ext cx="5613400" cy="1727200"/>
+            <a:off x="318918" y="1285749"/>
+            <a:ext cx="8580293" cy="2222399"/>
           </a:xfrm>
           <a:prstGeom prst="rect">
             <a:avLst/>
           </a:prstGeom>
         </p:spPr>
       </p:pic>
+      <p:sp>
+        <p:nvSpPr>
+          <p:cNvPr id="2" name="Foliennummernplatzhalter 1">
+            <a:extLst>
+              <a:ext uri="{FF2B5EF4-FFF2-40B4-BE49-F238E27FC236}">
+                <a16:creationId xmlns:a16="http://schemas.microsoft.com/office/drawing/2014/main" id="{64AC8B8A-20CF-7F54-2DAA-9A38FA55F566}"/>
+              </a:ext>
+            </a:extLst>
+          </p:cNvPr>
+          <p:cNvSpPr>
+            <a:spLocks noGrp="1"/>
+          </p:cNvSpPr>
+          <p:nvPr>
+            <p:ph type="sldNum" sz="quarter" idx="4"/>
+          </p:nvPr>
+        </p:nvSpPr>
+        <p:spPr/>
+        <p:txBody>
+          <a:bodyPr/>
+          <a:lstStyle/>
+          <a:p>
+            <a:fld id="{377F3D1B-E4E9-43EF-B22E-6D7B01945082}" type="slidenum">
+              <a:rPr lang="de-DE" smtClean="0"/>
+              <a:pPr/>
+              <a:t>20</a:t>
+            </a:fld>
+            <a:endParaRPr lang="de-DE" dirty="0"/>
+          </a:p>
+        </p:txBody>
+      </p:sp>
+      <p:sp>
+        <p:nvSpPr>
+          <p:cNvPr id="3" name="Titel 2">
+            <a:extLst>
+              <a:ext uri="{FF2B5EF4-FFF2-40B4-BE49-F238E27FC236}">
+                <a16:creationId xmlns:a16="http://schemas.microsoft.com/office/drawing/2014/main" id="{89D5B6AC-353D-A199-0C08-05C541573766}"/>
+              </a:ext>
+            </a:extLst>
+          </p:cNvPr>
+          <p:cNvSpPr>
+            <a:spLocks noGrp="1"/>
+          </p:cNvSpPr>
+          <p:nvPr>
+            <p:ph type="title"/>
+          </p:nvPr>
+        </p:nvSpPr>
+        <p:spPr/>
+        <p:txBody>
+          <a:bodyPr/>
+          <a:lstStyle/>
+          <a:p>
+            <a:endParaRPr lang="de-DE" dirty="0"/>
+          </a:p>
+        </p:txBody>
+      </p:sp>
+      <p:sp>
+        <p:nvSpPr>
+          <p:cNvPr id="4" name="Textplatzhalter 3">
+            <a:extLst>
+              <a:ext uri="{FF2B5EF4-FFF2-40B4-BE49-F238E27FC236}">
+                <a16:creationId xmlns:a16="http://schemas.microsoft.com/office/drawing/2014/main" id="{CE2D01E2-B603-FD8D-2FB7-64456F2AAB4A}"/>
+              </a:ext>
+            </a:extLst>
+          </p:cNvPr>
+          <p:cNvSpPr>
+            <a:spLocks noGrp="1"/>
+          </p:cNvSpPr>
+          <p:nvPr>
+            <p:ph type="body" sz="quarter" idx="10"/>
+          </p:nvPr>
+        </p:nvSpPr>
+        <p:spPr/>
+        <p:txBody>
+          <a:bodyPr/>
+          <a:lstStyle/>
+          <a:p>
+            <a:r>
+              <a:rPr lang="de-DE" dirty="0"/>
+              <a:t>Die Neuerungen – Neue Etappe</a:t>
+            </a:r>
+          </a:p>
+        </p:txBody>
+      </p:sp>
+      <p:sp>
+        <p:nvSpPr>
+          <p:cNvPr id="16" name="Rechteck 15">
+            <a:extLst>
+              <a:ext uri="{FF2B5EF4-FFF2-40B4-BE49-F238E27FC236}">
+                <a16:creationId xmlns:a16="http://schemas.microsoft.com/office/drawing/2014/main" id="{8FF903F8-283D-F7CC-335B-1EC11C2E4901}"/>
+              </a:ext>
+            </a:extLst>
+          </p:cNvPr>
+          <p:cNvSpPr/>
+          <p:nvPr/>
+        </p:nvSpPr>
+        <p:spPr>
+          <a:xfrm>
+            <a:off x="2994212" y="1181122"/>
+            <a:ext cx="3334870" cy="2431654"/>
+          </a:xfrm>
+          <a:prstGeom prst="rect">
+            <a:avLst/>
+          </a:prstGeom>
+          <a:noFill/>
+        </p:spPr>
+        <p:style>
+          <a:lnRef idx="2">
+            <a:schemeClr val="accent1">
+              <a:shade val="50000"/>
+            </a:schemeClr>
+          </a:lnRef>
+          <a:fillRef idx="1">
+            <a:schemeClr val="accent1"/>
+          </a:fillRef>
+          <a:effectRef idx="0">
+            <a:schemeClr val="accent1"/>
+          </a:effectRef>
+          <a:fontRef idx="minor">
+            <a:schemeClr val="lt1"/>
+          </a:fontRef>
+        </p:style>
+        <p:txBody>
+          <a:bodyPr rtlCol="0" anchor="ctr"/>
+          <a:lstStyle/>
+          <a:p>
+            <a:pPr algn="ctr"/>
+            <a:endParaRPr lang="de-DE"/>
+          </a:p>
+        </p:txBody>
+      </p:sp>
     </p:spTree>
     <p:extLst>
       <p:ext uri="{BB962C8B-B14F-4D97-AF65-F5344CB8AC3E}">
-        <p14:creationId xmlns:p14="http://schemas.microsoft.com/office/powerpoint/2010/main" val="2848021649"/>
+        <p14:creationId xmlns:p14="http://schemas.microsoft.com/office/powerpoint/2010/main" val="287208348"/>
       </p:ext>
     </p:extLst>
   </p:cSld>
@@ -11193,12 +11437,42 @@
           <a:chExt cx="0" cy="0"/>
         </a:xfrm>
       </p:grpSpPr>
+      <p:pic>
+        <p:nvPicPr>
+          <p:cNvPr id="10" name="Grafik 9" descr="Ein Bild, das Tisch enthält.&#10;&#10;Automatisch generierte Beschreibung">
+            <a:extLst>
+              <a:ext uri="{FF2B5EF4-FFF2-40B4-BE49-F238E27FC236}">
+                <a16:creationId xmlns:a16="http://schemas.microsoft.com/office/drawing/2014/main" id="{BBDFEE70-FEC5-C87F-5886-66D79E4D09B7}"/>
+              </a:ext>
+            </a:extLst>
+          </p:cNvPr>
+          <p:cNvPicPr>
+            <a:picLocks noChangeAspect="1"/>
+          </p:cNvPicPr>
+          <p:nvPr/>
+        </p:nvPicPr>
+        <p:blipFill>
+          <a:blip r:embed="rId2"/>
+          <a:stretch>
+            <a:fillRect/>
+          </a:stretch>
+        </p:blipFill>
+        <p:spPr>
+          <a:xfrm>
+            <a:off x="305365" y="1467959"/>
+            <a:ext cx="8533269" cy="2207582"/>
+          </a:xfrm>
+          <a:prstGeom prst="rect">
+            <a:avLst/>
+          </a:prstGeom>
+        </p:spPr>
+      </p:pic>
       <p:sp>
         <p:nvSpPr>
           <p:cNvPr id="2" name="Foliennummernplatzhalter 1">
             <a:extLst>
               <a:ext uri="{FF2B5EF4-FFF2-40B4-BE49-F238E27FC236}">
-                <a16:creationId xmlns:a16="http://schemas.microsoft.com/office/drawing/2014/main" id="{08BCB62D-AFB4-8F22-17DC-7E8215C5F61C}"/>
+                <a16:creationId xmlns:a16="http://schemas.microsoft.com/office/drawing/2014/main" id="{64AC8B8A-20CF-7F54-2DAA-9A38FA55F566}"/>
               </a:ext>
             </a:extLst>
           </p:cNvPr>
@@ -11228,7 +11502,7 @@
           <p:cNvPr id="3" name="Titel 2">
             <a:extLst>
               <a:ext uri="{FF2B5EF4-FFF2-40B4-BE49-F238E27FC236}">
-                <a16:creationId xmlns:a16="http://schemas.microsoft.com/office/drawing/2014/main" id="{FBE047BC-C24A-3A8D-106B-FD686DE1F417}"/>
+                <a16:creationId xmlns:a16="http://schemas.microsoft.com/office/drawing/2014/main" id="{89D5B6AC-353D-A199-0C08-05C541573766}"/>
               </a:ext>
             </a:extLst>
           </p:cNvPr>
@@ -11244,7 +11518,7 @@
           <a:bodyPr/>
           <a:lstStyle/>
           <a:p>
-            <a:endParaRPr lang="de-DE"/>
+            <a:endParaRPr lang="de-DE" dirty="0"/>
           </a:p>
         </p:txBody>
       </p:sp>
@@ -11253,7 +11527,7 @@
           <p:cNvPr id="4" name="Textplatzhalter 3">
             <a:extLst>
               <a:ext uri="{FF2B5EF4-FFF2-40B4-BE49-F238E27FC236}">
-                <a16:creationId xmlns:a16="http://schemas.microsoft.com/office/drawing/2014/main" id="{B11E5481-4093-7B54-C624-D1F6AF9A13F0}"/>
+                <a16:creationId xmlns:a16="http://schemas.microsoft.com/office/drawing/2014/main" id="{CE2D01E2-B603-FD8D-2FB7-64456F2AAB4A}"/>
               </a:ext>
             </a:extLst>
           </p:cNvPr>
@@ -11271,148 +11545,17 @@
           <a:p>
             <a:r>
               <a:rPr lang="de-DE" dirty="0"/>
-              <a:t>Was alles im Hintergrund passiert</a:t>
-            </a:r>
-            <a:r>
-              <a:rPr lang="de-DE" dirty="0">
-                <a:sym typeface="Wingdings" pitchFamily="2" charset="2"/>
-              </a:rPr>
-              <a:t> (und worum ihr euch nicht sorgen müsst):</a:t>
-            </a:r>
-            <a:endParaRPr lang="de-DE" dirty="0"/>
-          </a:p>
-        </p:txBody>
-      </p:sp>
-      <p:sp>
-        <p:nvSpPr>
-          <p:cNvPr id="5" name="Inhaltsplatzhalter 4">
-            <a:extLst>
-              <a:ext uri="{FF2B5EF4-FFF2-40B4-BE49-F238E27FC236}">
-                <a16:creationId xmlns:a16="http://schemas.microsoft.com/office/drawing/2014/main" id="{B6EA5447-9A18-1328-2540-AB383FC0EB03}"/>
-              </a:ext>
-            </a:extLst>
-          </p:cNvPr>
-          <p:cNvSpPr>
-            <a:spLocks noGrp="1"/>
-          </p:cNvSpPr>
-          <p:nvPr>
-            <p:ph sz="half" idx="1"/>
-          </p:nvPr>
-        </p:nvSpPr>
-        <p:spPr>
-          <a:xfrm>
-            <a:off x="450000" y="1131888"/>
-            <a:ext cx="8341491" cy="1363662"/>
-          </a:xfrm>
-        </p:spPr>
-        <p:txBody>
-          <a:bodyPr/>
-          <a:lstStyle/>
-          <a:p>
-            <a:pPr marL="171450" indent="-171450">
-              <a:buFont typeface="Arial" panose="020B0604020202020204" pitchFamily="34" charset="0"/>
-              <a:buChar char="•"/>
-            </a:pPr>
-            <a:r>
-              <a:rPr lang="de-DE" dirty="0"/>
-              <a:t>Die richtige Typen </a:t>
-            </a:r>
-            <a:r>
-              <a:rPr lang="de-DE" dirty="0" err="1"/>
-              <a:t>erstellung</a:t>
-            </a:r>
-            <a:r>
-              <a:rPr lang="de-DE" dirty="0"/>
-              <a:t> –&gt; </a:t>
-            </a:r>
-            <a:r>
-              <a:rPr lang="de-DE" dirty="0" err="1"/>
-              <a:t>zb</a:t>
-            </a:r>
-            <a:r>
-              <a:rPr lang="de-DE" dirty="0"/>
-              <a:t>. ITEM_LIST_SINGLE_CHOICE, ITEM_LIST_EXPANDED etc. pp.</a:t>
-            </a:r>
-          </a:p>
-          <a:p>
-            <a:pPr marL="171450" indent="-171450">
-              <a:buFont typeface="Arial" panose="020B0604020202020204" pitchFamily="34" charset="0"/>
-              <a:buChar char="•"/>
-            </a:pPr>
-            <a:r>
-              <a:rPr lang="de-DE" dirty="0"/>
-              <a:t>Progress (wird in gleichen Teilen auf die Fragen aufgeteilt)</a:t>
-            </a:r>
-          </a:p>
-          <a:p>
-            <a:pPr marL="171450" indent="-171450">
-              <a:buFont typeface="Arial" panose="020B0604020202020204" pitchFamily="34" charset="0"/>
-              <a:buChar char="•"/>
-            </a:pPr>
-            <a:r>
-              <a:rPr lang="de-DE" dirty="0"/>
-              <a:t>Version, </a:t>
-            </a:r>
-            <a:r>
-              <a:rPr lang="de-DE" dirty="0" err="1"/>
-              <a:t>Id</a:t>
-            </a:r>
-            <a:r>
-              <a:rPr lang="de-DE" dirty="0"/>
-              <a:t>, Key -&gt; durchlaufende </a:t>
-            </a:r>
-            <a:r>
-              <a:rPr lang="de-DE" dirty="0" err="1"/>
-              <a:t>Ids</a:t>
-            </a:r>
-            <a:r>
-              <a:rPr lang="de-DE" dirty="0"/>
-              <a:t> für alle Teile</a:t>
-            </a:r>
-          </a:p>
-          <a:p>
-            <a:pPr marL="171450" indent="-171450">
-              <a:buFont typeface="Arial" panose="020B0604020202020204" pitchFamily="34" charset="0"/>
-              <a:buChar char="•"/>
-            </a:pPr>
-            <a:r>
-              <a:rPr lang="de-DE" dirty="0"/>
-              <a:t>Richtige Text Zuweisung zu den einzelnen Teilen</a:t>
-            </a:r>
-          </a:p>
-          <a:p>
-            <a:pPr marL="171450" indent="-171450">
-              <a:buFont typeface="Arial" panose="020B0604020202020204" pitchFamily="34" charset="0"/>
-              <a:buChar char="•"/>
-            </a:pPr>
-            <a:r>
-              <a:rPr lang="de-DE" dirty="0"/>
-              <a:t>Kurztrip Informationen werden am Anfang der </a:t>
-            </a:r>
-            <a:r>
-              <a:rPr lang="de-DE" dirty="0" err="1"/>
-              <a:t>Json</a:t>
-            </a:r>
-            <a:r>
-              <a:rPr lang="de-DE" dirty="0"/>
-              <a:t> richtig zugewiesen</a:t>
-            </a:r>
-          </a:p>
-          <a:p>
-            <a:pPr marL="171450" indent="-171450">
-              <a:buFont typeface="Arial" panose="020B0604020202020204" pitchFamily="34" charset="0"/>
-              <a:buChar char="•"/>
-            </a:pPr>
-            <a:endParaRPr lang="de-DE" dirty="0"/>
-          </a:p>
-        </p:txBody>
-      </p:sp>
-      <p:sp>
-        <p:nvSpPr>
-          <p:cNvPr id="6" name="Pfeil nach rechts 5">
-            <a:extLst>
-              <a:ext uri="{FF2B5EF4-FFF2-40B4-BE49-F238E27FC236}">
-                <a16:creationId xmlns:a16="http://schemas.microsoft.com/office/drawing/2014/main" id="{A2055DDD-EFC4-5D35-1532-EEA51FDFA63F}"/>
+              <a:t>Die Neuerungen – Neue Etappe</a:t>
+            </a:r>
+          </a:p>
+        </p:txBody>
+      </p:sp>
+      <p:sp>
+        <p:nvSpPr>
+          <p:cNvPr id="16" name="Rechteck 15">
+            <a:extLst>
+              <a:ext uri="{FF2B5EF4-FFF2-40B4-BE49-F238E27FC236}">
+                <a16:creationId xmlns:a16="http://schemas.microsoft.com/office/drawing/2014/main" id="{8FF903F8-283D-F7CC-335B-1EC11C2E4901}"/>
               </a:ext>
             </a:extLst>
           </p:cNvPr>
@@ -11421,21 +11564,24 @@
         </p:nvSpPr>
         <p:spPr>
           <a:xfrm>
-            <a:off x="1064762" y="2495550"/>
-            <a:ext cx="738921" cy="290457"/>
-          </a:xfrm>
-          <a:prstGeom prst="rightArrow">
-            <a:avLst/>
-          </a:prstGeom>
+            <a:off x="6357298" y="1467959"/>
+            <a:ext cx="1403307" cy="1461246"/>
+          </a:xfrm>
+          <a:prstGeom prst="rect">
+            <a:avLst/>
+          </a:prstGeom>
+          <a:noFill/>
         </p:spPr>
         <p:style>
-          <a:lnRef idx="1">
-            <a:schemeClr val="accent1"/>
+          <a:lnRef idx="2">
+            <a:schemeClr val="accent1">
+              <a:shade val="50000"/>
+            </a:schemeClr>
           </a:lnRef>
-          <a:fillRef idx="3">
+          <a:fillRef idx="1">
             <a:schemeClr val="accent1"/>
           </a:fillRef>
-          <a:effectRef idx="2">
+          <a:effectRef idx="0">
             <a:schemeClr val="accent1"/>
           </a:effectRef>
           <a:fontRef idx="minor">
@@ -11453,75 +11599,10 @@
       </p:sp>
       <p:sp>
         <p:nvSpPr>
-          <p:cNvPr id="7" name="Textfeld 6">
-            <a:extLst>
-              <a:ext uri="{FF2B5EF4-FFF2-40B4-BE49-F238E27FC236}">
-                <a16:creationId xmlns:a16="http://schemas.microsoft.com/office/drawing/2014/main" id="{B833C06C-BC4D-3635-9150-A7A9712A3AF5}"/>
-              </a:ext>
-            </a:extLst>
-          </p:cNvPr>
-          <p:cNvSpPr txBox="1"/>
-          <p:nvPr/>
-        </p:nvSpPr>
-        <p:spPr>
-          <a:xfrm>
-            <a:off x="1933575" y="2485074"/>
-            <a:ext cx="3542958" cy="369332"/>
-          </a:xfrm>
-          <a:prstGeom prst="rect">
-            <a:avLst/>
-          </a:prstGeom>
-          <a:noFill/>
-        </p:spPr>
-        <p:txBody>
-          <a:bodyPr wrap="none" rtlCol="0">
-            <a:spAutoFit/>
-          </a:bodyPr>
-          <a:lstStyle/>
-          <a:p>
-            <a:r>
-              <a:rPr lang="de-DE" dirty="0"/>
-              <a:t>Ergo: </a:t>
-            </a:r>
-            <a:r>
-              <a:rPr lang="de-DE" sz="1200" dirty="0">
-                <a:solidFill>
-                  <a:schemeClr val="bg1">
-                    <a:lumMod val="10000"/>
-                  </a:schemeClr>
-                </a:solidFill>
-              </a:rPr>
-              <a:t>die </a:t>
-            </a:r>
-            <a:r>
-              <a:rPr lang="de-DE" sz="1200" dirty="0" err="1">
-                <a:solidFill>
-                  <a:schemeClr val="bg1">
-                    <a:lumMod val="10000"/>
-                  </a:schemeClr>
-                </a:solidFill>
-              </a:rPr>
-              <a:t>Json</a:t>
-            </a:r>
-            <a:r>
-              <a:rPr lang="de-DE" sz="1200" dirty="0">
-                <a:solidFill>
-                  <a:schemeClr val="bg1">
-                    <a:lumMod val="10000"/>
-                  </a:schemeClr>
-                </a:solidFill>
-              </a:rPr>
-              <a:t> kommt da eigentlich fertig raus</a:t>
-            </a:r>
-          </a:p>
-        </p:txBody>
-      </p:sp>
-      <p:sp>
-        <p:nvSpPr>
-          <p:cNvPr id="8" name="Gewitterblitz 7">
-            <a:extLst>
-              <a:ext uri="{FF2B5EF4-FFF2-40B4-BE49-F238E27FC236}">
-                <a16:creationId xmlns:a16="http://schemas.microsoft.com/office/drawing/2014/main" id="{FD6DD2DE-14C2-1C99-9557-358E5C5A7D42}"/>
+          <p:cNvPr id="5" name="Rechteck 4">
+            <a:extLst>
+              <a:ext uri="{FF2B5EF4-FFF2-40B4-BE49-F238E27FC236}">
+                <a16:creationId xmlns:a16="http://schemas.microsoft.com/office/drawing/2014/main" id="{4799FF6D-2191-F0E8-FB69-A481C4331F70}"/>
               </a:ext>
             </a:extLst>
           </p:cNvPr>
@@ -11530,21 +11611,24 @@
         </p:nvSpPr>
         <p:spPr>
           <a:xfrm>
-            <a:off x="1191334" y="3330285"/>
-            <a:ext cx="485775" cy="819384"/>
-          </a:xfrm>
-          <a:prstGeom prst="lightningBolt">
-            <a:avLst/>
-          </a:prstGeom>
+            <a:off x="305365" y="1467959"/>
+            <a:ext cx="1853337" cy="2196353"/>
+          </a:xfrm>
+          <a:prstGeom prst="rect">
+            <a:avLst/>
+          </a:prstGeom>
+          <a:noFill/>
         </p:spPr>
         <p:style>
-          <a:lnRef idx="1">
-            <a:schemeClr val="accent1"/>
+          <a:lnRef idx="2">
+            <a:schemeClr val="accent1">
+              <a:shade val="50000"/>
+            </a:schemeClr>
           </a:lnRef>
-          <a:fillRef idx="3">
+          <a:fillRef idx="1">
             <a:schemeClr val="accent1"/>
           </a:fillRef>
-          <a:effectRef idx="2">
+          <a:effectRef idx="0">
             <a:schemeClr val="accent1"/>
           </a:effectRef>
           <a:fontRef idx="minor">
@@ -11560,84 +11644,10 @@
           </a:p>
         </p:txBody>
       </p:sp>
-      <p:sp>
-        <p:nvSpPr>
-          <p:cNvPr id="9" name="Textfeld 8">
-            <a:extLst>
-              <a:ext uri="{FF2B5EF4-FFF2-40B4-BE49-F238E27FC236}">
-                <a16:creationId xmlns:a16="http://schemas.microsoft.com/office/drawing/2014/main" id="{41BC2B4E-FFA8-DEFB-37F2-8023063C740F}"/>
-              </a:ext>
-            </a:extLst>
-          </p:cNvPr>
-          <p:cNvSpPr txBox="1"/>
-          <p:nvPr/>
-        </p:nvSpPr>
-        <p:spPr>
-          <a:xfrm>
-            <a:off x="1933575" y="3479404"/>
-            <a:ext cx="3397084" cy="369332"/>
-          </a:xfrm>
-          <a:prstGeom prst="rect">
-            <a:avLst/>
-          </a:prstGeom>
-          <a:noFill/>
-        </p:spPr>
-        <p:txBody>
-          <a:bodyPr wrap="none" rtlCol="0">
-            <a:spAutoFit/>
-          </a:bodyPr>
-          <a:lstStyle/>
-          <a:p>
-            <a:r>
-              <a:rPr lang="de-DE" dirty="0"/>
-              <a:t>Aber: </a:t>
-            </a:r>
-            <a:r>
-              <a:rPr lang="de-DE" sz="1200" dirty="0">
-                <a:solidFill>
-                  <a:schemeClr val="bg1">
-                    <a:lumMod val="10000"/>
-                  </a:schemeClr>
-                </a:solidFill>
-              </a:rPr>
-              <a:t>Ihr müsst die Formatierung machen!  </a:t>
-            </a:r>
-          </a:p>
-        </p:txBody>
-      </p:sp>
-      <p:pic>
-        <p:nvPicPr>
-          <p:cNvPr id="14" name="Grafik 13" descr="Ein Bild, das Text enthält.&#10;&#10;Automatisch generierte Beschreibung">
-            <a:extLst>
-              <a:ext uri="{FF2B5EF4-FFF2-40B4-BE49-F238E27FC236}">
-                <a16:creationId xmlns:a16="http://schemas.microsoft.com/office/drawing/2014/main" id="{B5618329-FF66-7CEF-170F-045D0B471DFA}"/>
-              </a:ext>
-            </a:extLst>
-          </p:cNvPr>
-          <p:cNvPicPr>
-            <a:picLocks noChangeAspect="1"/>
-          </p:cNvPicPr>
-          <p:nvPr/>
-        </p:nvPicPr>
-        <p:blipFill rotWithShape="1">
-          <a:blip r:embed="rId2"/>
-          <a:srcRect l="1889"/>
-          <a:stretch/>
-        </p:blipFill>
-        <p:spPr>
-          <a:xfrm>
-            <a:off x="5587125" y="3330285"/>
-            <a:ext cx="2180516" cy="698500"/>
-          </a:xfrm>
-          <a:prstGeom prst="rect">
-            <a:avLst/>
-          </a:prstGeom>
-        </p:spPr>
-      </p:pic>
     </p:spTree>
     <p:extLst>
       <p:ext uri="{BB962C8B-B14F-4D97-AF65-F5344CB8AC3E}">
-        <p14:creationId xmlns:p14="http://schemas.microsoft.com/office/powerpoint/2010/main" val="3979099179"/>
+        <p14:creationId xmlns:p14="http://schemas.microsoft.com/office/powerpoint/2010/main" val="1590381900"/>
       </p:ext>
     </p:extLst>
   </p:cSld>
@@ -11669,7 +11679,7 @@
           <p:cNvPr id="2" name="Foliennummernplatzhalter 1">
             <a:extLst>
               <a:ext uri="{FF2B5EF4-FFF2-40B4-BE49-F238E27FC236}">
-                <a16:creationId xmlns:a16="http://schemas.microsoft.com/office/drawing/2014/main" id="{6A06E920-3054-CDA5-2BC7-BFF901B2EBE3}"/>
+                <a16:creationId xmlns:a16="http://schemas.microsoft.com/office/drawing/2014/main" id="{5D0C81A9-A93A-4627-912A-4C93BF2785DC}"/>
               </a:ext>
             </a:extLst>
           </p:cNvPr>
@@ -11689,6 +11699,1038 @@
               <a:rPr lang="de-DE" smtClean="0"/>
               <a:pPr/>
               <a:t>22</a:t>
+            </a:fld>
+            <a:endParaRPr lang="de-DE" dirty="0"/>
+          </a:p>
+        </p:txBody>
+      </p:sp>
+      <p:sp>
+        <p:nvSpPr>
+          <p:cNvPr id="3" name="Titel 2">
+            <a:extLst>
+              <a:ext uri="{FF2B5EF4-FFF2-40B4-BE49-F238E27FC236}">
+                <a16:creationId xmlns:a16="http://schemas.microsoft.com/office/drawing/2014/main" id="{F650B59F-C378-0AA1-6219-0B97FD6C4623}"/>
+              </a:ext>
+            </a:extLst>
+          </p:cNvPr>
+          <p:cNvSpPr>
+            <a:spLocks noGrp="1"/>
+          </p:cNvSpPr>
+          <p:nvPr>
+            <p:ph type="title"/>
+          </p:nvPr>
+        </p:nvSpPr>
+        <p:spPr/>
+        <p:txBody>
+          <a:bodyPr/>
+          <a:lstStyle/>
+          <a:p>
+            <a:endParaRPr lang="de-DE"/>
+          </a:p>
+        </p:txBody>
+      </p:sp>
+      <p:sp>
+        <p:nvSpPr>
+          <p:cNvPr id="4" name="Textplatzhalter 3">
+            <a:extLst>
+              <a:ext uri="{FF2B5EF4-FFF2-40B4-BE49-F238E27FC236}">
+                <a16:creationId xmlns:a16="http://schemas.microsoft.com/office/drawing/2014/main" id="{DA39E6A8-3696-50BB-3F65-7D499F0E6174}"/>
+              </a:ext>
+            </a:extLst>
+          </p:cNvPr>
+          <p:cNvSpPr>
+            <a:spLocks noGrp="1"/>
+          </p:cNvSpPr>
+          <p:nvPr>
+            <p:ph type="body" sz="quarter" idx="10"/>
+          </p:nvPr>
+        </p:nvSpPr>
+        <p:spPr/>
+        <p:txBody>
+          <a:bodyPr/>
+          <a:lstStyle/>
+          <a:p>
+            <a:r>
+              <a:rPr lang="de-DE" dirty="0"/>
+              <a:t>Erklärungen in Tabelle 2</a:t>
+            </a:r>
+          </a:p>
+        </p:txBody>
+      </p:sp>
+      <p:sp>
+        <p:nvSpPr>
+          <p:cNvPr id="7" name="Rechteck 6">
+            <a:extLst>
+              <a:ext uri="{FF2B5EF4-FFF2-40B4-BE49-F238E27FC236}">
+                <a16:creationId xmlns:a16="http://schemas.microsoft.com/office/drawing/2014/main" id="{5D664FD2-6CC6-D762-C1F3-B29384ECBE39}"/>
+              </a:ext>
+            </a:extLst>
+          </p:cNvPr>
+          <p:cNvSpPr/>
+          <p:nvPr/>
+        </p:nvSpPr>
+        <p:spPr>
+          <a:xfrm>
+            <a:off x="1064302" y="1810672"/>
+            <a:ext cx="1976513" cy="1411982"/>
+          </a:xfrm>
+          <a:prstGeom prst="rect">
+            <a:avLst/>
+          </a:prstGeom>
+          <a:noFill/>
+        </p:spPr>
+        <p:style>
+          <a:lnRef idx="2">
+            <a:schemeClr val="accent1">
+              <a:shade val="50000"/>
+            </a:schemeClr>
+          </a:lnRef>
+          <a:fillRef idx="1">
+            <a:schemeClr val="accent1"/>
+          </a:fillRef>
+          <a:effectRef idx="0">
+            <a:schemeClr val="accent1"/>
+          </a:effectRef>
+          <a:fontRef idx="minor">
+            <a:schemeClr val="lt1"/>
+          </a:fontRef>
+        </p:style>
+        <p:txBody>
+          <a:bodyPr rtlCol="0" anchor="ctr"/>
+          <a:lstStyle/>
+          <a:p>
+            <a:pPr algn="ctr"/>
+            <a:endParaRPr lang="de-DE"/>
+          </a:p>
+        </p:txBody>
+      </p:sp>
+      <p:sp>
+        <p:nvSpPr>
+          <p:cNvPr id="8" name="Textfeld 7">
+            <a:extLst>
+              <a:ext uri="{FF2B5EF4-FFF2-40B4-BE49-F238E27FC236}">
+                <a16:creationId xmlns:a16="http://schemas.microsoft.com/office/drawing/2014/main" id="{F74A97F1-E041-A854-71D6-F0D2627C7F57}"/>
+              </a:ext>
+            </a:extLst>
+          </p:cNvPr>
+          <p:cNvSpPr txBox="1"/>
+          <p:nvPr/>
+        </p:nvSpPr>
+        <p:spPr>
+          <a:xfrm>
+            <a:off x="1226762" y="1916498"/>
+            <a:ext cx="1651591" cy="1200329"/>
+          </a:xfrm>
+          <a:prstGeom prst="rect">
+            <a:avLst/>
+          </a:prstGeom>
+          <a:noFill/>
+        </p:spPr>
+        <p:txBody>
+          <a:bodyPr wrap="square" rtlCol="0">
+            <a:spAutoFit/>
+          </a:bodyPr>
+          <a:lstStyle/>
+          <a:p>
+            <a:r>
+              <a:rPr lang="de-DE" sz="1200" dirty="0">
+                <a:solidFill>
+                  <a:schemeClr val="bg1">
+                    <a:lumMod val="10000"/>
+                  </a:schemeClr>
+                </a:solidFill>
+              </a:rPr>
+              <a:t>Auch hier gilt wieder: Orange dürft ihr verändern und euch Notizen machen, weiß bitte nicht verändern!</a:t>
+            </a:r>
+          </a:p>
+        </p:txBody>
+      </p:sp>
+      <p:pic>
+        <p:nvPicPr>
+          <p:cNvPr id="6" name="Grafik 5" descr="Ein Bild, das Tisch enthält.&#10;&#10;Automatisch generierte Beschreibung">
+            <a:extLst>
+              <a:ext uri="{FF2B5EF4-FFF2-40B4-BE49-F238E27FC236}">
+                <a16:creationId xmlns:a16="http://schemas.microsoft.com/office/drawing/2014/main" id="{B3753163-6EE7-9A40-B799-09DC877275DA}"/>
+              </a:ext>
+            </a:extLst>
+          </p:cNvPr>
+          <p:cNvPicPr>
+            <a:picLocks noChangeAspect="1"/>
+          </p:cNvPicPr>
+          <p:nvPr/>
+        </p:nvPicPr>
+        <p:blipFill>
+          <a:blip r:embed="rId2"/>
+          <a:stretch>
+            <a:fillRect/>
+          </a:stretch>
+        </p:blipFill>
+        <p:spPr>
+          <a:xfrm>
+            <a:off x="3296487" y="1582645"/>
+            <a:ext cx="5613400" cy="1727200"/>
+          </a:xfrm>
+          <a:prstGeom prst="rect">
+            <a:avLst/>
+          </a:prstGeom>
+        </p:spPr>
+      </p:pic>
+    </p:spTree>
+    <p:extLst>
+      <p:ext uri="{BB962C8B-B14F-4D97-AF65-F5344CB8AC3E}">
+        <p14:creationId xmlns:p14="http://schemas.microsoft.com/office/powerpoint/2010/main" val="2848021649"/>
+      </p:ext>
+    </p:extLst>
+  </p:cSld>
+  <p:clrMapOvr>
+    <a:masterClrMapping/>
+  </p:clrMapOvr>
+</p:sld>
+</file>
+
+<file path=ppt/slides/slide23.xml><?xml version="1.0" encoding="utf-8"?>
+<p:sld xmlns:a="http://schemas.openxmlformats.org/drawingml/2006/main" xmlns:r="http://schemas.openxmlformats.org/officeDocument/2006/relationships" xmlns:p="http://schemas.openxmlformats.org/presentationml/2006/main">
+  <p:cSld>
+    <p:spTree>
+      <p:nvGrpSpPr>
+        <p:cNvPr id="1" name=""/>
+        <p:cNvGrpSpPr/>
+        <p:nvPr/>
+      </p:nvGrpSpPr>
+      <p:grpSpPr>
+        <a:xfrm>
+          <a:off x="0" y="0"/>
+          <a:ext cx="0" cy="0"/>
+          <a:chOff x="0" y="0"/>
+          <a:chExt cx="0" cy="0"/>
+        </a:xfrm>
+      </p:grpSpPr>
+      <p:pic>
+        <p:nvPicPr>
+          <p:cNvPr id="10" name="Grafik 9" descr="Ein Bild, das Tisch enthält.&#10;&#10;Automatisch generierte Beschreibung">
+            <a:extLst>
+              <a:ext uri="{FF2B5EF4-FFF2-40B4-BE49-F238E27FC236}">
+                <a16:creationId xmlns:a16="http://schemas.microsoft.com/office/drawing/2014/main" id="{BBDFEE70-FEC5-C87F-5886-66D79E4D09B7}"/>
+              </a:ext>
+            </a:extLst>
+          </p:cNvPr>
+          <p:cNvPicPr>
+            <a:picLocks noChangeAspect="1"/>
+          </p:cNvPicPr>
+          <p:nvPr/>
+        </p:nvPicPr>
+        <p:blipFill>
+          <a:blip r:embed="rId2"/>
+          <a:stretch>
+            <a:fillRect/>
+          </a:stretch>
+        </p:blipFill>
+        <p:spPr>
+          <a:xfrm>
+            <a:off x="305365" y="1412019"/>
+            <a:ext cx="8533269" cy="2207582"/>
+          </a:xfrm>
+          <a:prstGeom prst="rect">
+            <a:avLst/>
+          </a:prstGeom>
+        </p:spPr>
+      </p:pic>
+      <p:sp>
+        <p:nvSpPr>
+          <p:cNvPr id="2" name="Foliennummernplatzhalter 1">
+            <a:extLst>
+              <a:ext uri="{FF2B5EF4-FFF2-40B4-BE49-F238E27FC236}">
+                <a16:creationId xmlns:a16="http://schemas.microsoft.com/office/drawing/2014/main" id="{64AC8B8A-20CF-7F54-2DAA-9A38FA55F566}"/>
+              </a:ext>
+            </a:extLst>
+          </p:cNvPr>
+          <p:cNvSpPr>
+            <a:spLocks noGrp="1"/>
+          </p:cNvSpPr>
+          <p:nvPr>
+            <p:ph type="sldNum" sz="quarter" idx="4"/>
+          </p:nvPr>
+        </p:nvSpPr>
+        <p:spPr/>
+        <p:txBody>
+          <a:bodyPr/>
+          <a:lstStyle/>
+          <a:p>
+            <a:fld id="{377F3D1B-E4E9-43EF-B22E-6D7B01945082}" type="slidenum">
+              <a:rPr lang="de-DE" smtClean="0"/>
+              <a:pPr/>
+              <a:t>23</a:t>
+            </a:fld>
+            <a:endParaRPr lang="de-DE" dirty="0"/>
+          </a:p>
+        </p:txBody>
+      </p:sp>
+      <p:sp>
+        <p:nvSpPr>
+          <p:cNvPr id="3" name="Titel 2">
+            <a:extLst>
+              <a:ext uri="{FF2B5EF4-FFF2-40B4-BE49-F238E27FC236}">
+                <a16:creationId xmlns:a16="http://schemas.microsoft.com/office/drawing/2014/main" id="{89D5B6AC-353D-A199-0C08-05C541573766}"/>
+              </a:ext>
+            </a:extLst>
+          </p:cNvPr>
+          <p:cNvSpPr>
+            <a:spLocks noGrp="1"/>
+          </p:cNvSpPr>
+          <p:nvPr>
+            <p:ph type="title"/>
+          </p:nvPr>
+        </p:nvSpPr>
+        <p:spPr/>
+        <p:txBody>
+          <a:bodyPr/>
+          <a:lstStyle/>
+          <a:p>
+            <a:endParaRPr lang="de-DE" dirty="0"/>
+          </a:p>
+        </p:txBody>
+      </p:sp>
+      <p:sp>
+        <p:nvSpPr>
+          <p:cNvPr id="4" name="Textplatzhalter 3">
+            <a:extLst>
+              <a:ext uri="{FF2B5EF4-FFF2-40B4-BE49-F238E27FC236}">
+                <a16:creationId xmlns:a16="http://schemas.microsoft.com/office/drawing/2014/main" id="{CE2D01E2-B603-FD8D-2FB7-64456F2AAB4A}"/>
+              </a:ext>
+            </a:extLst>
+          </p:cNvPr>
+          <p:cNvSpPr>
+            <a:spLocks noGrp="1"/>
+          </p:cNvSpPr>
+          <p:nvPr>
+            <p:ph type="body" sz="quarter" idx="10"/>
+          </p:nvPr>
+        </p:nvSpPr>
+        <p:spPr/>
+        <p:txBody>
+          <a:bodyPr/>
+          <a:lstStyle/>
+          <a:p>
+            <a:r>
+              <a:rPr lang="de-DE" dirty="0"/>
+              <a:t>Nicht vergessen: Ordentliche Nummerierung</a:t>
+            </a:r>
+          </a:p>
+        </p:txBody>
+      </p:sp>
+      <p:sp>
+        <p:nvSpPr>
+          <p:cNvPr id="5" name="Rechteck 4">
+            <a:extLst>
+              <a:ext uri="{FF2B5EF4-FFF2-40B4-BE49-F238E27FC236}">
+                <a16:creationId xmlns:a16="http://schemas.microsoft.com/office/drawing/2014/main" id="{4799FF6D-2191-F0E8-FB69-A481C4331F70}"/>
+              </a:ext>
+            </a:extLst>
+          </p:cNvPr>
+          <p:cNvSpPr/>
+          <p:nvPr/>
+        </p:nvSpPr>
+        <p:spPr>
+          <a:xfrm>
+            <a:off x="2143790" y="1412020"/>
+            <a:ext cx="6694844" cy="86498"/>
+          </a:xfrm>
+          <a:prstGeom prst="rect">
+            <a:avLst/>
+          </a:prstGeom>
+          <a:noFill/>
+        </p:spPr>
+        <p:style>
+          <a:lnRef idx="2">
+            <a:schemeClr val="accent1">
+              <a:shade val="50000"/>
+            </a:schemeClr>
+          </a:lnRef>
+          <a:fillRef idx="1">
+            <a:schemeClr val="accent1"/>
+          </a:fillRef>
+          <a:effectRef idx="0">
+            <a:schemeClr val="accent1"/>
+          </a:effectRef>
+          <a:fontRef idx="minor">
+            <a:schemeClr val="lt1"/>
+          </a:fontRef>
+        </p:style>
+        <p:txBody>
+          <a:bodyPr rtlCol="0" anchor="ctr"/>
+          <a:lstStyle/>
+          <a:p>
+            <a:pPr algn="ctr"/>
+            <a:endParaRPr lang="de-DE"/>
+          </a:p>
+        </p:txBody>
+      </p:sp>
+      <p:sp>
+        <p:nvSpPr>
+          <p:cNvPr id="6" name="Rechteck 5">
+            <a:extLst>
+              <a:ext uri="{FF2B5EF4-FFF2-40B4-BE49-F238E27FC236}">
+                <a16:creationId xmlns:a16="http://schemas.microsoft.com/office/drawing/2014/main" id="{76DDB917-16EB-DC51-CAEB-F9418271BEA5}"/>
+              </a:ext>
+            </a:extLst>
+          </p:cNvPr>
+          <p:cNvSpPr/>
+          <p:nvPr/>
+        </p:nvSpPr>
+        <p:spPr>
+          <a:xfrm>
+            <a:off x="3387268" y="3999849"/>
+            <a:ext cx="2369464" cy="578700"/>
+          </a:xfrm>
+          <a:prstGeom prst="rect">
+            <a:avLst/>
+          </a:prstGeom>
+          <a:noFill/>
+        </p:spPr>
+        <p:style>
+          <a:lnRef idx="2">
+            <a:schemeClr val="accent1">
+              <a:shade val="50000"/>
+            </a:schemeClr>
+          </a:lnRef>
+          <a:fillRef idx="1">
+            <a:schemeClr val="accent1"/>
+          </a:fillRef>
+          <a:effectRef idx="0">
+            <a:schemeClr val="accent1"/>
+          </a:effectRef>
+          <a:fontRef idx="minor">
+            <a:schemeClr val="lt1"/>
+          </a:fontRef>
+        </p:style>
+        <p:txBody>
+          <a:bodyPr rtlCol="0" anchor="ctr"/>
+          <a:lstStyle/>
+          <a:p>
+            <a:pPr algn="ctr"/>
+            <a:endParaRPr lang="de-DE"/>
+          </a:p>
+        </p:txBody>
+      </p:sp>
+      <p:sp>
+        <p:nvSpPr>
+          <p:cNvPr id="7" name="Textfeld 6">
+            <a:extLst>
+              <a:ext uri="{FF2B5EF4-FFF2-40B4-BE49-F238E27FC236}">
+                <a16:creationId xmlns:a16="http://schemas.microsoft.com/office/drawing/2014/main" id="{20CC6E7E-AE2D-6F82-D467-A4A38EC4E4DE}"/>
+              </a:ext>
+            </a:extLst>
+          </p:cNvPr>
+          <p:cNvSpPr txBox="1"/>
+          <p:nvPr/>
+        </p:nvSpPr>
+        <p:spPr>
+          <a:xfrm>
+            <a:off x="3549728" y="4053294"/>
+            <a:ext cx="4704820" cy="461665"/>
+          </a:xfrm>
+          <a:prstGeom prst="rect">
+            <a:avLst/>
+          </a:prstGeom>
+          <a:noFill/>
+        </p:spPr>
+        <p:txBody>
+          <a:bodyPr wrap="square" rtlCol="0">
+            <a:spAutoFit/>
+          </a:bodyPr>
+          <a:lstStyle/>
+          <a:p>
+            <a:r>
+              <a:rPr lang="de-DE" sz="1200" dirty="0">
+                <a:solidFill>
+                  <a:schemeClr val="bg1">
+                    <a:lumMod val="10000"/>
+                  </a:schemeClr>
+                </a:solidFill>
+              </a:rPr>
+              <a:t>Immer </a:t>
+            </a:r>
+            <a:r>
+              <a:rPr lang="de-DE" sz="1200" dirty="0" err="1">
+                <a:solidFill>
+                  <a:schemeClr val="bg1">
+                    <a:lumMod val="10000"/>
+                  </a:schemeClr>
+                </a:solidFill>
+              </a:rPr>
+              <a:t>x.y</a:t>
+            </a:r>
+            <a:r>
+              <a:rPr lang="de-DE" sz="1200" dirty="0">
+                <a:solidFill>
+                  <a:schemeClr val="bg1">
+                    <a:lumMod val="10000"/>
+                  </a:schemeClr>
+                </a:solidFill>
+              </a:rPr>
+              <a:t> -&gt; 1.1, 1.2, 1.3, 2.1 </a:t>
+            </a:r>
+          </a:p>
+          <a:p>
+            <a:r>
+              <a:rPr lang="de-DE" sz="1200" dirty="0">
+                <a:solidFill>
+                  <a:schemeClr val="bg1">
+                    <a:lumMod val="10000"/>
+                  </a:schemeClr>
+                </a:solidFill>
+              </a:rPr>
+              <a:t>x = Etappe; </a:t>
+            </a:r>
+            <a:r>
+              <a:rPr lang="de-DE" sz="1200" dirty="0" err="1">
+                <a:solidFill>
+                  <a:schemeClr val="bg1">
+                    <a:lumMod val="10000"/>
+                  </a:schemeClr>
+                </a:solidFill>
+              </a:rPr>
+              <a:t>y</a:t>
+            </a:r>
+            <a:r>
+              <a:rPr lang="de-DE" sz="1200" dirty="0">
+                <a:solidFill>
+                  <a:schemeClr val="bg1">
+                    <a:lumMod val="10000"/>
+                  </a:schemeClr>
+                </a:solidFill>
+              </a:rPr>
+              <a:t> = Screen</a:t>
+            </a:r>
+          </a:p>
+        </p:txBody>
+      </p:sp>
+    </p:spTree>
+    <p:extLst>
+      <p:ext uri="{BB962C8B-B14F-4D97-AF65-F5344CB8AC3E}">
+        <p14:creationId xmlns:p14="http://schemas.microsoft.com/office/powerpoint/2010/main" val="2819971973"/>
+      </p:ext>
+    </p:extLst>
+  </p:cSld>
+  <p:clrMapOvr>
+    <a:masterClrMapping/>
+  </p:clrMapOvr>
+</p:sld>
+</file>
+
+<file path=ppt/slides/slide24.xml><?xml version="1.0" encoding="utf-8"?>
+<p:sld xmlns:a="http://schemas.openxmlformats.org/drawingml/2006/main" xmlns:r="http://schemas.openxmlformats.org/officeDocument/2006/relationships" xmlns:p="http://schemas.openxmlformats.org/presentationml/2006/main">
+  <p:cSld>
+    <p:spTree>
+      <p:nvGrpSpPr>
+        <p:cNvPr id="1" name=""/>
+        <p:cNvGrpSpPr/>
+        <p:nvPr/>
+      </p:nvGrpSpPr>
+      <p:grpSpPr>
+        <a:xfrm>
+          <a:off x="0" y="0"/>
+          <a:ext cx="0" cy="0"/>
+          <a:chOff x="0" y="0"/>
+          <a:chExt cx="0" cy="0"/>
+        </a:xfrm>
+      </p:grpSpPr>
+      <p:sp>
+        <p:nvSpPr>
+          <p:cNvPr id="2" name="Foliennummernplatzhalter 1">
+            <a:extLst>
+              <a:ext uri="{FF2B5EF4-FFF2-40B4-BE49-F238E27FC236}">
+                <a16:creationId xmlns:a16="http://schemas.microsoft.com/office/drawing/2014/main" id="{08BCB62D-AFB4-8F22-17DC-7E8215C5F61C}"/>
+              </a:ext>
+            </a:extLst>
+          </p:cNvPr>
+          <p:cNvSpPr>
+            <a:spLocks noGrp="1"/>
+          </p:cNvSpPr>
+          <p:nvPr>
+            <p:ph type="sldNum" sz="quarter" idx="4"/>
+          </p:nvPr>
+        </p:nvSpPr>
+        <p:spPr/>
+        <p:txBody>
+          <a:bodyPr/>
+          <a:lstStyle/>
+          <a:p>
+            <a:fld id="{377F3D1B-E4E9-43EF-B22E-6D7B01945082}" type="slidenum">
+              <a:rPr lang="de-DE" smtClean="0"/>
+              <a:pPr/>
+              <a:t>24</a:t>
+            </a:fld>
+            <a:endParaRPr lang="de-DE" dirty="0"/>
+          </a:p>
+        </p:txBody>
+      </p:sp>
+      <p:sp>
+        <p:nvSpPr>
+          <p:cNvPr id="3" name="Titel 2">
+            <a:extLst>
+              <a:ext uri="{FF2B5EF4-FFF2-40B4-BE49-F238E27FC236}">
+                <a16:creationId xmlns:a16="http://schemas.microsoft.com/office/drawing/2014/main" id="{FBE047BC-C24A-3A8D-106B-FD686DE1F417}"/>
+              </a:ext>
+            </a:extLst>
+          </p:cNvPr>
+          <p:cNvSpPr>
+            <a:spLocks noGrp="1"/>
+          </p:cNvSpPr>
+          <p:nvPr>
+            <p:ph type="title"/>
+          </p:nvPr>
+        </p:nvSpPr>
+        <p:spPr/>
+        <p:txBody>
+          <a:bodyPr/>
+          <a:lstStyle/>
+          <a:p>
+            <a:endParaRPr lang="de-DE"/>
+          </a:p>
+        </p:txBody>
+      </p:sp>
+      <p:sp>
+        <p:nvSpPr>
+          <p:cNvPr id="4" name="Textplatzhalter 3">
+            <a:extLst>
+              <a:ext uri="{FF2B5EF4-FFF2-40B4-BE49-F238E27FC236}">
+                <a16:creationId xmlns:a16="http://schemas.microsoft.com/office/drawing/2014/main" id="{B11E5481-4093-7B54-C624-D1F6AF9A13F0}"/>
+              </a:ext>
+            </a:extLst>
+          </p:cNvPr>
+          <p:cNvSpPr>
+            <a:spLocks noGrp="1"/>
+          </p:cNvSpPr>
+          <p:nvPr>
+            <p:ph type="body" sz="quarter" idx="10"/>
+          </p:nvPr>
+        </p:nvSpPr>
+        <p:spPr/>
+        <p:txBody>
+          <a:bodyPr/>
+          <a:lstStyle/>
+          <a:p>
+            <a:r>
+              <a:rPr lang="de-DE" dirty="0"/>
+              <a:t>Was alles im Hintergrund passiert</a:t>
+            </a:r>
+            <a:r>
+              <a:rPr lang="de-DE" dirty="0">
+                <a:sym typeface="Wingdings" pitchFamily="2" charset="2"/>
+              </a:rPr>
+              <a:t> (und worum ihr euch nicht sorgen müsst):</a:t>
+            </a:r>
+            <a:endParaRPr lang="de-DE" dirty="0"/>
+          </a:p>
+        </p:txBody>
+      </p:sp>
+      <p:sp>
+        <p:nvSpPr>
+          <p:cNvPr id="5" name="Inhaltsplatzhalter 4">
+            <a:extLst>
+              <a:ext uri="{FF2B5EF4-FFF2-40B4-BE49-F238E27FC236}">
+                <a16:creationId xmlns:a16="http://schemas.microsoft.com/office/drawing/2014/main" id="{B6EA5447-9A18-1328-2540-AB383FC0EB03}"/>
+              </a:ext>
+            </a:extLst>
+          </p:cNvPr>
+          <p:cNvSpPr>
+            <a:spLocks noGrp="1"/>
+          </p:cNvSpPr>
+          <p:nvPr>
+            <p:ph sz="half" idx="1"/>
+          </p:nvPr>
+        </p:nvSpPr>
+        <p:spPr>
+          <a:xfrm>
+            <a:off x="450000" y="1131888"/>
+            <a:ext cx="8341491" cy="1363662"/>
+          </a:xfrm>
+        </p:spPr>
+        <p:txBody>
+          <a:bodyPr/>
+          <a:lstStyle/>
+          <a:p>
+            <a:pPr marL="171450" indent="-171450">
+              <a:buFont typeface="Arial" panose="020B0604020202020204" pitchFamily="34" charset="0"/>
+              <a:buChar char="•"/>
+            </a:pPr>
+            <a:r>
+              <a:rPr lang="de-DE" dirty="0"/>
+              <a:t>Die richtige Typen </a:t>
+            </a:r>
+            <a:r>
+              <a:rPr lang="de-DE" dirty="0" err="1"/>
+              <a:t>erstellung</a:t>
+            </a:r>
+            <a:r>
+              <a:rPr lang="de-DE" dirty="0"/>
+              <a:t> –&gt; </a:t>
+            </a:r>
+            <a:r>
+              <a:rPr lang="de-DE" dirty="0" err="1"/>
+              <a:t>zb</a:t>
+            </a:r>
+            <a:r>
+              <a:rPr lang="de-DE" dirty="0"/>
+              <a:t>. ITEM_LIST_SINGLE_CHOICE, ITEM_LIST_EXPANDED etc. pp.</a:t>
+            </a:r>
+          </a:p>
+          <a:p>
+            <a:pPr marL="171450" indent="-171450">
+              <a:buFont typeface="Arial" panose="020B0604020202020204" pitchFamily="34" charset="0"/>
+              <a:buChar char="•"/>
+            </a:pPr>
+            <a:r>
+              <a:rPr lang="de-DE" dirty="0"/>
+              <a:t>Progress (wird in gleichen Teilen auf die Fragen aufgeteilt)</a:t>
+            </a:r>
+          </a:p>
+          <a:p>
+            <a:pPr marL="171450" indent="-171450">
+              <a:buFont typeface="Arial" panose="020B0604020202020204" pitchFamily="34" charset="0"/>
+              <a:buChar char="•"/>
+            </a:pPr>
+            <a:r>
+              <a:rPr lang="de-DE" dirty="0"/>
+              <a:t>Version, </a:t>
+            </a:r>
+            <a:r>
+              <a:rPr lang="de-DE" dirty="0" err="1"/>
+              <a:t>Id</a:t>
+            </a:r>
+            <a:r>
+              <a:rPr lang="de-DE" dirty="0"/>
+              <a:t>, Key -&gt; durchlaufende </a:t>
+            </a:r>
+            <a:r>
+              <a:rPr lang="de-DE" dirty="0" err="1"/>
+              <a:t>Ids</a:t>
+            </a:r>
+            <a:r>
+              <a:rPr lang="de-DE" dirty="0"/>
+              <a:t> für alle Teile</a:t>
+            </a:r>
+          </a:p>
+          <a:p>
+            <a:pPr marL="171450" indent="-171450">
+              <a:buFont typeface="Arial" panose="020B0604020202020204" pitchFamily="34" charset="0"/>
+              <a:buChar char="•"/>
+            </a:pPr>
+            <a:r>
+              <a:rPr lang="de-DE" dirty="0"/>
+              <a:t>Richtige Text Zuweisung zu den einzelnen Teilen</a:t>
+            </a:r>
+          </a:p>
+          <a:p>
+            <a:pPr marL="171450" indent="-171450">
+              <a:buFont typeface="Arial" panose="020B0604020202020204" pitchFamily="34" charset="0"/>
+              <a:buChar char="•"/>
+            </a:pPr>
+            <a:r>
+              <a:rPr lang="de-DE" dirty="0"/>
+              <a:t>Kurztrip Informationen werden am Anfang der </a:t>
+            </a:r>
+            <a:r>
+              <a:rPr lang="de-DE" dirty="0" err="1"/>
+              <a:t>Json</a:t>
+            </a:r>
+            <a:r>
+              <a:rPr lang="de-DE" dirty="0"/>
+              <a:t> richtig zugewiesen</a:t>
+            </a:r>
+          </a:p>
+          <a:p>
+            <a:pPr marL="171450" indent="-171450">
+              <a:buFont typeface="Arial" panose="020B0604020202020204" pitchFamily="34" charset="0"/>
+              <a:buChar char="•"/>
+            </a:pPr>
+            <a:endParaRPr lang="de-DE" dirty="0"/>
+          </a:p>
+        </p:txBody>
+      </p:sp>
+      <p:sp>
+        <p:nvSpPr>
+          <p:cNvPr id="6" name="Pfeil nach rechts 5">
+            <a:extLst>
+              <a:ext uri="{FF2B5EF4-FFF2-40B4-BE49-F238E27FC236}">
+                <a16:creationId xmlns:a16="http://schemas.microsoft.com/office/drawing/2014/main" id="{A2055DDD-EFC4-5D35-1532-EEA51FDFA63F}"/>
+              </a:ext>
+            </a:extLst>
+          </p:cNvPr>
+          <p:cNvSpPr/>
+          <p:nvPr/>
+        </p:nvSpPr>
+        <p:spPr>
+          <a:xfrm>
+            <a:off x="1064762" y="2495550"/>
+            <a:ext cx="738921" cy="290457"/>
+          </a:xfrm>
+          <a:prstGeom prst="rightArrow">
+            <a:avLst/>
+          </a:prstGeom>
+        </p:spPr>
+        <p:style>
+          <a:lnRef idx="1">
+            <a:schemeClr val="accent1"/>
+          </a:lnRef>
+          <a:fillRef idx="3">
+            <a:schemeClr val="accent1"/>
+          </a:fillRef>
+          <a:effectRef idx="2">
+            <a:schemeClr val="accent1"/>
+          </a:effectRef>
+          <a:fontRef idx="minor">
+            <a:schemeClr val="lt1"/>
+          </a:fontRef>
+        </p:style>
+        <p:txBody>
+          <a:bodyPr rtlCol="0" anchor="ctr"/>
+          <a:lstStyle/>
+          <a:p>
+            <a:pPr algn="ctr"/>
+            <a:endParaRPr lang="de-DE"/>
+          </a:p>
+        </p:txBody>
+      </p:sp>
+      <p:sp>
+        <p:nvSpPr>
+          <p:cNvPr id="7" name="Textfeld 6">
+            <a:extLst>
+              <a:ext uri="{FF2B5EF4-FFF2-40B4-BE49-F238E27FC236}">
+                <a16:creationId xmlns:a16="http://schemas.microsoft.com/office/drawing/2014/main" id="{B833C06C-BC4D-3635-9150-A7A9712A3AF5}"/>
+              </a:ext>
+            </a:extLst>
+          </p:cNvPr>
+          <p:cNvSpPr txBox="1"/>
+          <p:nvPr/>
+        </p:nvSpPr>
+        <p:spPr>
+          <a:xfrm>
+            <a:off x="1933575" y="2485074"/>
+            <a:ext cx="3542958" cy="369332"/>
+          </a:xfrm>
+          <a:prstGeom prst="rect">
+            <a:avLst/>
+          </a:prstGeom>
+          <a:noFill/>
+        </p:spPr>
+        <p:txBody>
+          <a:bodyPr wrap="none" rtlCol="0">
+            <a:spAutoFit/>
+          </a:bodyPr>
+          <a:lstStyle/>
+          <a:p>
+            <a:r>
+              <a:rPr lang="de-DE" dirty="0"/>
+              <a:t>Ergo: </a:t>
+            </a:r>
+            <a:r>
+              <a:rPr lang="de-DE" sz="1200" dirty="0">
+                <a:solidFill>
+                  <a:schemeClr val="bg1">
+                    <a:lumMod val="10000"/>
+                  </a:schemeClr>
+                </a:solidFill>
+              </a:rPr>
+              <a:t>die </a:t>
+            </a:r>
+            <a:r>
+              <a:rPr lang="de-DE" sz="1200" dirty="0" err="1">
+                <a:solidFill>
+                  <a:schemeClr val="bg1">
+                    <a:lumMod val="10000"/>
+                  </a:schemeClr>
+                </a:solidFill>
+              </a:rPr>
+              <a:t>Json</a:t>
+            </a:r>
+            <a:r>
+              <a:rPr lang="de-DE" sz="1200" dirty="0">
+                <a:solidFill>
+                  <a:schemeClr val="bg1">
+                    <a:lumMod val="10000"/>
+                  </a:schemeClr>
+                </a:solidFill>
+              </a:rPr>
+              <a:t> kommt da eigentlich fertig raus</a:t>
+            </a:r>
+          </a:p>
+        </p:txBody>
+      </p:sp>
+      <p:sp>
+        <p:nvSpPr>
+          <p:cNvPr id="8" name="Gewitterblitz 7">
+            <a:extLst>
+              <a:ext uri="{FF2B5EF4-FFF2-40B4-BE49-F238E27FC236}">
+                <a16:creationId xmlns:a16="http://schemas.microsoft.com/office/drawing/2014/main" id="{FD6DD2DE-14C2-1C99-9557-358E5C5A7D42}"/>
+              </a:ext>
+            </a:extLst>
+          </p:cNvPr>
+          <p:cNvSpPr/>
+          <p:nvPr/>
+        </p:nvSpPr>
+        <p:spPr>
+          <a:xfrm>
+            <a:off x="1191334" y="3330285"/>
+            <a:ext cx="485775" cy="819384"/>
+          </a:xfrm>
+          <a:prstGeom prst="lightningBolt">
+            <a:avLst/>
+          </a:prstGeom>
+        </p:spPr>
+        <p:style>
+          <a:lnRef idx="1">
+            <a:schemeClr val="accent1"/>
+          </a:lnRef>
+          <a:fillRef idx="3">
+            <a:schemeClr val="accent1"/>
+          </a:fillRef>
+          <a:effectRef idx="2">
+            <a:schemeClr val="accent1"/>
+          </a:effectRef>
+          <a:fontRef idx="minor">
+            <a:schemeClr val="lt1"/>
+          </a:fontRef>
+        </p:style>
+        <p:txBody>
+          <a:bodyPr rtlCol="0" anchor="ctr"/>
+          <a:lstStyle/>
+          <a:p>
+            <a:pPr algn="ctr"/>
+            <a:endParaRPr lang="de-DE"/>
+          </a:p>
+        </p:txBody>
+      </p:sp>
+      <p:sp>
+        <p:nvSpPr>
+          <p:cNvPr id="9" name="Textfeld 8">
+            <a:extLst>
+              <a:ext uri="{FF2B5EF4-FFF2-40B4-BE49-F238E27FC236}">
+                <a16:creationId xmlns:a16="http://schemas.microsoft.com/office/drawing/2014/main" id="{41BC2B4E-FFA8-DEFB-37F2-8023063C740F}"/>
+              </a:ext>
+            </a:extLst>
+          </p:cNvPr>
+          <p:cNvSpPr txBox="1"/>
+          <p:nvPr/>
+        </p:nvSpPr>
+        <p:spPr>
+          <a:xfrm>
+            <a:off x="1933575" y="3479404"/>
+            <a:ext cx="3397084" cy="369332"/>
+          </a:xfrm>
+          <a:prstGeom prst="rect">
+            <a:avLst/>
+          </a:prstGeom>
+          <a:noFill/>
+        </p:spPr>
+        <p:txBody>
+          <a:bodyPr wrap="none" rtlCol="0">
+            <a:spAutoFit/>
+          </a:bodyPr>
+          <a:lstStyle/>
+          <a:p>
+            <a:r>
+              <a:rPr lang="de-DE" dirty="0"/>
+              <a:t>Aber: </a:t>
+            </a:r>
+            <a:r>
+              <a:rPr lang="de-DE" sz="1200" dirty="0">
+                <a:solidFill>
+                  <a:schemeClr val="bg1">
+                    <a:lumMod val="10000"/>
+                  </a:schemeClr>
+                </a:solidFill>
+              </a:rPr>
+              <a:t>Ihr müsst die Formatierung machen!  </a:t>
+            </a:r>
+          </a:p>
+        </p:txBody>
+      </p:sp>
+      <p:pic>
+        <p:nvPicPr>
+          <p:cNvPr id="14" name="Grafik 13" descr="Ein Bild, das Text enthält.&#10;&#10;Automatisch generierte Beschreibung">
+            <a:extLst>
+              <a:ext uri="{FF2B5EF4-FFF2-40B4-BE49-F238E27FC236}">
+                <a16:creationId xmlns:a16="http://schemas.microsoft.com/office/drawing/2014/main" id="{B5618329-FF66-7CEF-170F-045D0B471DFA}"/>
+              </a:ext>
+            </a:extLst>
+          </p:cNvPr>
+          <p:cNvPicPr>
+            <a:picLocks noChangeAspect="1"/>
+          </p:cNvPicPr>
+          <p:nvPr/>
+        </p:nvPicPr>
+        <p:blipFill rotWithShape="1">
+          <a:blip r:embed="rId2"/>
+          <a:srcRect l="1889"/>
+          <a:stretch/>
+        </p:blipFill>
+        <p:spPr>
+          <a:xfrm>
+            <a:off x="5587125" y="3330285"/>
+            <a:ext cx="2180516" cy="698500"/>
+          </a:xfrm>
+          <a:prstGeom prst="rect">
+            <a:avLst/>
+          </a:prstGeom>
+        </p:spPr>
+      </p:pic>
+    </p:spTree>
+    <p:extLst>
+      <p:ext uri="{BB962C8B-B14F-4D97-AF65-F5344CB8AC3E}">
+        <p14:creationId xmlns:p14="http://schemas.microsoft.com/office/powerpoint/2010/main" val="3979099179"/>
+      </p:ext>
+    </p:extLst>
+  </p:cSld>
+  <p:clrMapOvr>
+    <a:masterClrMapping/>
+  </p:clrMapOvr>
+</p:sld>
+</file>
+
+<file path=ppt/slides/slide25.xml><?xml version="1.0" encoding="utf-8"?>
+<p:sld xmlns:a="http://schemas.openxmlformats.org/drawingml/2006/main" xmlns:r="http://schemas.openxmlformats.org/officeDocument/2006/relationships" xmlns:p="http://schemas.openxmlformats.org/presentationml/2006/main">
+  <p:cSld>
+    <p:spTree>
+      <p:nvGrpSpPr>
+        <p:cNvPr id="1" name=""/>
+        <p:cNvGrpSpPr/>
+        <p:nvPr/>
+      </p:nvGrpSpPr>
+      <p:grpSpPr>
+        <a:xfrm>
+          <a:off x="0" y="0"/>
+          <a:ext cx="0" cy="0"/>
+          <a:chOff x="0" y="0"/>
+          <a:chExt cx="0" cy="0"/>
+        </a:xfrm>
+      </p:grpSpPr>
+      <p:sp>
+        <p:nvSpPr>
+          <p:cNvPr id="2" name="Foliennummernplatzhalter 1">
+            <a:extLst>
+              <a:ext uri="{FF2B5EF4-FFF2-40B4-BE49-F238E27FC236}">
+                <a16:creationId xmlns:a16="http://schemas.microsoft.com/office/drawing/2014/main" id="{6A06E920-3054-CDA5-2BC7-BFF901B2EBE3}"/>
+              </a:ext>
+            </a:extLst>
+          </p:cNvPr>
+          <p:cNvSpPr>
+            <a:spLocks noGrp="1"/>
+          </p:cNvSpPr>
+          <p:nvPr>
+            <p:ph type="sldNum" sz="quarter" idx="4"/>
+          </p:nvPr>
+        </p:nvSpPr>
+        <p:spPr/>
+        <p:txBody>
+          <a:bodyPr/>
+          <a:lstStyle/>
+          <a:p>
+            <a:fld id="{377F3D1B-E4E9-43EF-B22E-6D7B01945082}" type="slidenum">
+              <a:rPr lang="de-DE" smtClean="0"/>
+              <a:pPr/>
+              <a:t>25</a:t>
             </a:fld>
             <a:endParaRPr lang="de-DE"/>
           </a:p>
@@ -12173,7 +13215,7 @@
 </p:sld>
 </file>
 
-<file path=ppt/slides/slide23.xml><?xml version="1.0" encoding="utf-8"?>
+<file path=ppt/slides/slide26.xml><?xml version="1.0" encoding="utf-8"?>
 <p:sld xmlns:a="http://schemas.openxmlformats.org/drawingml/2006/main" xmlns:r="http://schemas.openxmlformats.org/officeDocument/2006/relationships" xmlns:p="http://schemas.openxmlformats.org/presentationml/2006/main">
   <p:cSld>
     <p:spTree>
